--- a/SDD 관련 자료/작업 결과물/처리 모형도/강의평과 결과 조회.pptx
+++ b/SDD 관련 자료/작업 결과물/처리 모형도/강의평과 결과 조회.pptx
@@ -165,10 +165,9 @@
           </a:lstStyle>
           <a:p>
             <a:r>
-              <a:rPr lang="ko-KR" altLang="en-US" smtClean="0"/>
+              <a:rPr lang="ko-KR" altLang="en-US"/>
               <a:t>마스터 제목 스타일 편집</a:t>
             </a:r>
-            <a:endParaRPr lang="ko-KR" altLang="en-US"/>
           </a:p>
         </p:txBody>
       </p:sp>
@@ -230,10 +229,9 @@
           </a:lstStyle>
           <a:p>
             <a:r>
-              <a:rPr lang="ko-KR" altLang="en-US" smtClean="0"/>
+              <a:rPr lang="ko-KR" altLang="en-US"/>
               <a:t>클릭하여 마스터 부제목 스타일 편집</a:t>
             </a:r>
-            <a:endParaRPr lang="ko-KR" altLang="en-US"/>
           </a:p>
         </p:txBody>
       </p:sp>
@@ -348,10 +346,9 @@
           <a:lstStyle/>
           <a:p>
             <a:r>
-              <a:rPr lang="ko-KR" altLang="en-US" smtClean="0"/>
+              <a:rPr lang="ko-KR" altLang="en-US"/>
               <a:t>마스터 제목 스타일 편집</a:t>
             </a:r>
-            <a:endParaRPr lang="ko-KR" altLang="en-US"/>
           </a:p>
         </p:txBody>
       </p:sp>
@@ -372,38 +369,37 @@
           <a:p>
             <a:pPr lvl="0"/>
             <a:r>
-              <a:rPr lang="ko-KR" altLang="en-US" smtClean="0"/>
+              <a:rPr lang="ko-KR" altLang="en-US"/>
               <a:t>마스터 텍스트 스타일 편집</a:t>
             </a:r>
           </a:p>
           <a:p>
             <a:pPr lvl="1"/>
             <a:r>
-              <a:rPr lang="ko-KR" altLang="en-US" smtClean="0"/>
+              <a:rPr lang="ko-KR" altLang="en-US"/>
               <a:t>둘째 수준</a:t>
             </a:r>
           </a:p>
           <a:p>
             <a:pPr lvl="2"/>
             <a:r>
-              <a:rPr lang="ko-KR" altLang="en-US" smtClean="0"/>
+              <a:rPr lang="ko-KR" altLang="en-US"/>
               <a:t>셋째 수준</a:t>
             </a:r>
           </a:p>
           <a:p>
             <a:pPr lvl="3"/>
             <a:r>
-              <a:rPr lang="ko-KR" altLang="en-US" smtClean="0"/>
+              <a:rPr lang="ko-KR" altLang="en-US"/>
               <a:t>넷째 수준</a:t>
             </a:r>
           </a:p>
           <a:p>
             <a:pPr lvl="4"/>
             <a:r>
-              <a:rPr lang="ko-KR" altLang="en-US" smtClean="0"/>
+              <a:rPr lang="ko-KR" altLang="en-US"/>
               <a:t>다섯째 수준</a:t>
             </a:r>
-            <a:endParaRPr lang="ko-KR" altLang="en-US"/>
           </a:p>
         </p:txBody>
       </p:sp>
@@ -523,10 +519,9 @@
           <a:lstStyle/>
           <a:p>
             <a:r>
-              <a:rPr lang="ko-KR" altLang="en-US" smtClean="0"/>
+              <a:rPr lang="ko-KR" altLang="en-US"/>
               <a:t>마스터 제목 스타일 편집</a:t>
             </a:r>
-            <a:endParaRPr lang="ko-KR" altLang="en-US"/>
           </a:p>
         </p:txBody>
       </p:sp>
@@ -552,38 +547,37 @@
           <a:p>
             <a:pPr lvl="0"/>
             <a:r>
-              <a:rPr lang="ko-KR" altLang="en-US" smtClean="0"/>
+              <a:rPr lang="ko-KR" altLang="en-US"/>
               <a:t>마스터 텍스트 스타일 편집</a:t>
             </a:r>
           </a:p>
           <a:p>
             <a:pPr lvl="1"/>
             <a:r>
-              <a:rPr lang="ko-KR" altLang="en-US" smtClean="0"/>
+              <a:rPr lang="ko-KR" altLang="en-US"/>
               <a:t>둘째 수준</a:t>
             </a:r>
           </a:p>
           <a:p>
             <a:pPr lvl="2"/>
             <a:r>
-              <a:rPr lang="ko-KR" altLang="en-US" smtClean="0"/>
+              <a:rPr lang="ko-KR" altLang="en-US"/>
               <a:t>셋째 수준</a:t>
             </a:r>
           </a:p>
           <a:p>
             <a:pPr lvl="3"/>
             <a:r>
-              <a:rPr lang="ko-KR" altLang="en-US" smtClean="0"/>
+              <a:rPr lang="ko-KR" altLang="en-US"/>
               <a:t>넷째 수준</a:t>
             </a:r>
           </a:p>
           <a:p>
             <a:pPr lvl="4"/>
             <a:r>
-              <a:rPr lang="ko-KR" altLang="en-US" smtClean="0"/>
+              <a:rPr lang="ko-KR" altLang="en-US"/>
               <a:t>다섯째 수준</a:t>
             </a:r>
-            <a:endParaRPr lang="ko-KR" altLang="en-US"/>
           </a:p>
         </p:txBody>
       </p:sp>
@@ -698,10 +692,9 @@
           <a:lstStyle/>
           <a:p>
             <a:r>
-              <a:rPr lang="ko-KR" altLang="en-US" smtClean="0"/>
+              <a:rPr lang="ko-KR" altLang="en-US"/>
               <a:t>마스터 제목 스타일 편집</a:t>
             </a:r>
-            <a:endParaRPr lang="ko-KR" altLang="en-US"/>
           </a:p>
         </p:txBody>
       </p:sp>
@@ -722,38 +715,37 @@
           <a:p>
             <a:pPr lvl="0"/>
             <a:r>
-              <a:rPr lang="ko-KR" altLang="en-US" smtClean="0"/>
+              <a:rPr lang="ko-KR" altLang="en-US"/>
               <a:t>마스터 텍스트 스타일 편집</a:t>
             </a:r>
           </a:p>
           <a:p>
             <a:pPr lvl="1"/>
             <a:r>
-              <a:rPr lang="ko-KR" altLang="en-US" smtClean="0"/>
+              <a:rPr lang="ko-KR" altLang="en-US"/>
               <a:t>둘째 수준</a:t>
             </a:r>
           </a:p>
           <a:p>
             <a:pPr lvl="2"/>
             <a:r>
-              <a:rPr lang="ko-KR" altLang="en-US" smtClean="0"/>
+              <a:rPr lang="ko-KR" altLang="en-US"/>
               <a:t>셋째 수준</a:t>
             </a:r>
           </a:p>
           <a:p>
             <a:pPr lvl="3"/>
             <a:r>
-              <a:rPr lang="ko-KR" altLang="en-US" smtClean="0"/>
+              <a:rPr lang="ko-KR" altLang="en-US"/>
               <a:t>넷째 수준</a:t>
             </a:r>
           </a:p>
           <a:p>
             <a:pPr lvl="4"/>
             <a:r>
-              <a:rPr lang="ko-KR" altLang="en-US" smtClean="0"/>
+              <a:rPr lang="ko-KR" altLang="en-US"/>
               <a:t>다섯째 수준</a:t>
             </a:r>
-            <a:endParaRPr lang="ko-KR" altLang="en-US"/>
           </a:p>
         </p:txBody>
       </p:sp>
@@ -877,10 +869,9 @@
           </a:lstStyle>
           <a:p>
             <a:r>
-              <a:rPr lang="ko-KR" altLang="en-US" smtClean="0"/>
+              <a:rPr lang="ko-KR" altLang="en-US"/>
               <a:t>마스터 제목 스타일 편집</a:t>
             </a:r>
-            <a:endParaRPr lang="ko-KR" altLang="en-US"/>
           </a:p>
         </p:txBody>
       </p:sp>
@@ -997,7 +988,7 @@
           <a:p>
             <a:pPr lvl="0"/>
             <a:r>
-              <a:rPr lang="ko-KR" altLang="en-US" smtClean="0"/>
+              <a:rPr lang="ko-KR" altLang="en-US"/>
               <a:t>마스터 텍스트 스타일 편집</a:t>
             </a:r>
           </a:p>
@@ -1114,10 +1105,9 @@
           <a:lstStyle/>
           <a:p>
             <a:r>
-              <a:rPr lang="ko-KR" altLang="en-US" smtClean="0"/>
+              <a:rPr lang="ko-KR" altLang="en-US"/>
               <a:t>마스터 제목 스타일 편집</a:t>
             </a:r>
-            <a:endParaRPr lang="ko-KR" altLang="en-US"/>
           </a:p>
         </p:txBody>
       </p:sp>
@@ -1143,38 +1133,37 @@
           <a:p>
             <a:pPr lvl="0"/>
             <a:r>
-              <a:rPr lang="ko-KR" altLang="en-US" smtClean="0"/>
+              <a:rPr lang="ko-KR" altLang="en-US"/>
               <a:t>마스터 텍스트 스타일 편집</a:t>
             </a:r>
           </a:p>
           <a:p>
             <a:pPr lvl="1"/>
             <a:r>
-              <a:rPr lang="ko-KR" altLang="en-US" smtClean="0"/>
+              <a:rPr lang="ko-KR" altLang="en-US"/>
               <a:t>둘째 수준</a:t>
             </a:r>
           </a:p>
           <a:p>
             <a:pPr lvl="2"/>
             <a:r>
-              <a:rPr lang="ko-KR" altLang="en-US" smtClean="0"/>
+              <a:rPr lang="ko-KR" altLang="en-US"/>
               <a:t>셋째 수준</a:t>
             </a:r>
           </a:p>
           <a:p>
             <a:pPr lvl="3"/>
             <a:r>
-              <a:rPr lang="ko-KR" altLang="en-US" smtClean="0"/>
+              <a:rPr lang="ko-KR" altLang="en-US"/>
               <a:t>넷째 수준</a:t>
             </a:r>
           </a:p>
           <a:p>
             <a:pPr lvl="4"/>
             <a:r>
-              <a:rPr lang="ko-KR" altLang="en-US" smtClean="0"/>
+              <a:rPr lang="ko-KR" altLang="en-US"/>
               <a:t>다섯째 수준</a:t>
             </a:r>
-            <a:endParaRPr lang="ko-KR" altLang="en-US"/>
           </a:p>
         </p:txBody>
       </p:sp>
@@ -1200,38 +1189,37 @@
           <a:p>
             <a:pPr lvl="0"/>
             <a:r>
-              <a:rPr lang="ko-KR" altLang="en-US" smtClean="0"/>
+              <a:rPr lang="ko-KR" altLang="en-US"/>
               <a:t>마스터 텍스트 스타일 편집</a:t>
             </a:r>
           </a:p>
           <a:p>
             <a:pPr lvl="1"/>
             <a:r>
-              <a:rPr lang="ko-KR" altLang="en-US" smtClean="0"/>
+              <a:rPr lang="ko-KR" altLang="en-US"/>
               <a:t>둘째 수준</a:t>
             </a:r>
           </a:p>
           <a:p>
             <a:pPr lvl="2"/>
             <a:r>
-              <a:rPr lang="ko-KR" altLang="en-US" smtClean="0"/>
+              <a:rPr lang="ko-KR" altLang="en-US"/>
               <a:t>셋째 수준</a:t>
             </a:r>
           </a:p>
           <a:p>
             <a:pPr lvl="3"/>
             <a:r>
-              <a:rPr lang="ko-KR" altLang="en-US" smtClean="0"/>
+              <a:rPr lang="ko-KR" altLang="en-US"/>
               <a:t>넷째 수준</a:t>
             </a:r>
           </a:p>
           <a:p>
             <a:pPr lvl="4"/>
             <a:r>
-              <a:rPr lang="ko-KR" altLang="en-US" smtClean="0"/>
+              <a:rPr lang="ko-KR" altLang="en-US"/>
               <a:t>다섯째 수준</a:t>
             </a:r>
-            <a:endParaRPr lang="ko-KR" altLang="en-US"/>
           </a:p>
         </p:txBody>
       </p:sp>
@@ -1351,10 +1339,9 @@
           <a:lstStyle/>
           <a:p>
             <a:r>
-              <a:rPr lang="ko-KR" altLang="en-US" smtClean="0"/>
+              <a:rPr lang="ko-KR" altLang="en-US"/>
               <a:t>마스터 제목 스타일 편집</a:t>
             </a:r>
-            <a:endParaRPr lang="ko-KR" altLang="en-US"/>
           </a:p>
         </p:txBody>
       </p:sp>
@@ -1417,7 +1404,7 @@
           <a:p>
             <a:pPr lvl="0"/>
             <a:r>
-              <a:rPr lang="ko-KR" altLang="en-US" smtClean="0"/>
+              <a:rPr lang="ko-KR" altLang="en-US"/>
               <a:t>마스터 텍스트 스타일 편집</a:t>
             </a:r>
           </a:p>
@@ -1445,38 +1432,37 @@
           <a:p>
             <a:pPr lvl="0"/>
             <a:r>
-              <a:rPr lang="ko-KR" altLang="en-US" smtClean="0"/>
+              <a:rPr lang="ko-KR" altLang="en-US"/>
               <a:t>마스터 텍스트 스타일 편집</a:t>
             </a:r>
           </a:p>
           <a:p>
             <a:pPr lvl="1"/>
             <a:r>
-              <a:rPr lang="ko-KR" altLang="en-US" smtClean="0"/>
+              <a:rPr lang="ko-KR" altLang="en-US"/>
               <a:t>둘째 수준</a:t>
             </a:r>
           </a:p>
           <a:p>
             <a:pPr lvl="2"/>
             <a:r>
-              <a:rPr lang="ko-KR" altLang="en-US" smtClean="0"/>
+              <a:rPr lang="ko-KR" altLang="en-US"/>
               <a:t>셋째 수준</a:t>
             </a:r>
           </a:p>
           <a:p>
             <a:pPr lvl="3"/>
             <a:r>
-              <a:rPr lang="ko-KR" altLang="en-US" smtClean="0"/>
+              <a:rPr lang="ko-KR" altLang="en-US"/>
               <a:t>넷째 수준</a:t>
             </a:r>
           </a:p>
           <a:p>
             <a:pPr lvl="4"/>
             <a:r>
-              <a:rPr lang="ko-KR" altLang="en-US" smtClean="0"/>
+              <a:rPr lang="ko-KR" altLang="en-US"/>
               <a:t>다섯째 수준</a:t>
             </a:r>
-            <a:endParaRPr lang="ko-KR" altLang="en-US"/>
           </a:p>
         </p:txBody>
       </p:sp>
@@ -1539,7 +1525,7 @@
           <a:p>
             <a:pPr lvl="0"/>
             <a:r>
-              <a:rPr lang="ko-KR" altLang="en-US" smtClean="0"/>
+              <a:rPr lang="ko-KR" altLang="en-US"/>
               <a:t>마스터 텍스트 스타일 편집</a:t>
             </a:r>
           </a:p>
@@ -1567,38 +1553,37 @@
           <a:p>
             <a:pPr lvl="0"/>
             <a:r>
-              <a:rPr lang="ko-KR" altLang="en-US" smtClean="0"/>
+              <a:rPr lang="ko-KR" altLang="en-US"/>
               <a:t>마스터 텍스트 스타일 편집</a:t>
             </a:r>
           </a:p>
           <a:p>
             <a:pPr lvl="1"/>
             <a:r>
-              <a:rPr lang="ko-KR" altLang="en-US" smtClean="0"/>
+              <a:rPr lang="ko-KR" altLang="en-US"/>
               <a:t>둘째 수준</a:t>
             </a:r>
           </a:p>
           <a:p>
             <a:pPr lvl="2"/>
             <a:r>
-              <a:rPr lang="ko-KR" altLang="en-US" smtClean="0"/>
+              <a:rPr lang="ko-KR" altLang="en-US"/>
               <a:t>셋째 수준</a:t>
             </a:r>
           </a:p>
           <a:p>
             <a:pPr lvl="3"/>
             <a:r>
-              <a:rPr lang="ko-KR" altLang="en-US" smtClean="0"/>
+              <a:rPr lang="ko-KR" altLang="en-US"/>
               <a:t>넷째 수준</a:t>
             </a:r>
           </a:p>
           <a:p>
             <a:pPr lvl="4"/>
             <a:r>
-              <a:rPr lang="ko-KR" altLang="en-US" smtClean="0"/>
+              <a:rPr lang="ko-KR" altLang="en-US"/>
               <a:t>다섯째 수준</a:t>
             </a:r>
-            <a:endParaRPr lang="ko-KR" altLang="en-US"/>
           </a:p>
         </p:txBody>
       </p:sp>
@@ -1713,10 +1698,9 @@
           <a:lstStyle/>
           <a:p>
             <a:r>
-              <a:rPr lang="ko-KR" altLang="en-US" smtClean="0"/>
+              <a:rPr lang="ko-KR" altLang="en-US"/>
               <a:t>마스터 제목 스타일 편집</a:t>
             </a:r>
-            <a:endParaRPr lang="ko-KR" altLang="en-US"/>
           </a:p>
         </p:txBody>
       </p:sp>
@@ -1935,10 +1919,9 @@
           </a:lstStyle>
           <a:p>
             <a:r>
-              <a:rPr lang="ko-KR" altLang="en-US" smtClean="0"/>
+              <a:rPr lang="ko-KR" altLang="en-US"/>
               <a:t>마스터 제목 스타일 편집</a:t>
             </a:r>
-            <a:endParaRPr lang="ko-KR" altLang="en-US"/>
           </a:p>
         </p:txBody>
       </p:sp>
@@ -1992,38 +1975,37 @@
           <a:p>
             <a:pPr lvl="0"/>
             <a:r>
-              <a:rPr lang="ko-KR" altLang="en-US" smtClean="0"/>
+              <a:rPr lang="ko-KR" altLang="en-US"/>
               <a:t>마스터 텍스트 스타일 편집</a:t>
             </a:r>
           </a:p>
           <a:p>
             <a:pPr lvl="1"/>
             <a:r>
-              <a:rPr lang="ko-KR" altLang="en-US" smtClean="0"/>
+              <a:rPr lang="ko-KR" altLang="en-US"/>
               <a:t>둘째 수준</a:t>
             </a:r>
           </a:p>
           <a:p>
             <a:pPr lvl="2"/>
             <a:r>
-              <a:rPr lang="ko-KR" altLang="en-US" smtClean="0"/>
+              <a:rPr lang="ko-KR" altLang="en-US"/>
               <a:t>셋째 수준</a:t>
             </a:r>
           </a:p>
           <a:p>
             <a:pPr lvl="3"/>
             <a:r>
-              <a:rPr lang="ko-KR" altLang="en-US" smtClean="0"/>
+              <a:rPr lang="ko-KR" altLang="en-US"/>
               <a:t>넷째 수준</a:t>
             </a:r>
           </a:p>
           <a:p>
             <a:pPr lvl="4"/>
             <a:r>
-              <a:rPr lang="ko-KR" altLang="en-US" smtClean="0"/>
+              <a:rPr lang="ko-KR" altLang="en-US"/>
               <a:t>다섯째 수준</a:t>
             </a:r>
-            <a:endParaRPr lang="ko-KR" altLang="en-US"/>
           </a:p>
         </p:txBody>
       </p:sp>
@@ -2086,7 +2068,7 @@
           <a:p>
             <a:pPr lvl="0"/>
             <a:r>
-              <a:rPr lang="ko-KR" altLang="en-US" smtClean="0"/>
+              <a:rPr lang="ko-KR" altLang="en-US"/>
               <a:t>마스터 텍스트 스타일 편집</a:t>
             </a:r>
           </a:p>
@@ -2212,10 +2194,9 @@
           </a:lstStyle>
           <a:p>
             <a:r>
-              <a:rPr lang="ko-KR" altLang="en-US" smtClean="0"/>
+              <a:rPr lang="ko-KR" altLang="en-US"/>
               <a:t>마스터 제목 스타일 편집</a:t>
             </a:r>
-            <a:endParaRPr lang="ko-KR" altLang="en-US"/>
           </a:p>
         </p:txBody>
       </p:sp>
@@ -2339,7 +2320,7 @@
           <a:p>
             <a:pPr lvl="0"/>
             <a:r>
-              <a:rPr lang="ko-KR" altLang="en-US" smtClean="0"/>
+              <a:rPr lang="ko-KR" altLang="en-US"/>
               <a:t>마스터 텍스트 스타일 편집</a:t>
             </a:r>
           </a:p>
@@ -2471,10 +2452,9 @@
           <a:lstStyle/>
           <a:p>
             <a:r>
-              <a:rPr lang="ko-KR" altLang="en-US" smtClean="0"/>
+              <a:rPr lang="ko-KR" altLang="en-US"/>
               <a:t>마스터 제목 스타일 편집</a:t>
             </a:r>
-            <a:endParaRPr lang="ko-KR" altLang="en-US"/>
           </a:p>
         </p:txBody>
       </p:sp>
@@ -2505,38 +2485,37 @@
           <a:p>
             <a:pPr lvl="0"/>
             <a:r>
-              <a:rPr lang="ko-KR" altLang="en-US" smtClean="0"/>
+              <a:rPr lang="ko-KR" altLang="en-US"/>
               <a:t>마스터 텍스트 스타일 편집</a:t>
             </a:r>
           </a:p>
           <a:p>
             <a:pPr lvl="1"/>
             <a:r>
-              <a:rPr lang="ko-KR" altLang="en-US" smtClean="0"/>
+              <a:rPr lang="ko-KR" altLang="en-US"/>
               <a:t>둘째 수준</a:t>
             </a:r>
           </a:p>
           <a:p>
             <a:pPr lvl="2"/>
             <a:r>
-              <a:rPr lang="ko-KR" altLang="en-US" smtClean="0"/>
+              <a:rPr lang="ko-KR" altLang="en-US"/>
               <a:t>셋째 수준</a:t>
             </a:r>
           </a:p>
           <a:p>
             <a:pPr lvl="3"/>
             <a:r>
-              <a:rPr lang="ko-KR" altLang="en-US" smtClean="0"/>
+              <a:rPr lang="ko-KR" altLang="en-US"/>
               <a:t>넷째 수준</a:t>
             </a:r>
           </a:p>
           <a:p>
             <a:pPr lvl="4"/>
             <a:r>
-              <a:rPr lang="ko-KR" altLang="en-US" smtClean="0"/>
+              <a:rPr lang="ko-KR" altLang="en-US"/>
               <a:t>다섯째 수준</a:t>
             </a:r>
-            <a:endParaRPr lang="ko-KR" altLang="en-US"/>
           </a:p>
         </p:txBody>
       </p:sp>
@@ -3025,18 +3004,13 @@
           <a:p>
             <a:pPr algn="ctr"/>
             <a:r>
-              <a:rPr lang="ko-KR" altLang="en-US" sz="1100" dirty="0" smtClean="0">
+              <a:rPr lang="ko-KR" altLang="en-US" sz="1100" dirty="0">
                 <a:solidFill>
                   <a:sysClr val="windowText" lastClr="000000"/>
                 </a:solidFill>
               </a:rPr>
               <a:t>강의평가 결과 조회 정보 입력</a:t>
             </a:r>
-            <a:endParaRPr lang="ko-KR" altLang="en-US" sz="1100" dirty="0">
-              <a:solidFill>
-                <a:sysClr val="windowText" lastClr="000000"/>
-              </a:solidFill>
-            </a:endParaRPr>
           </a:p>
         </p:txBody>
       </p:sp>
@@ -3121,18 +3095,13 @@
           <a:p>
             <a:pPr algn="ctr"/>
             <a:r>
-              <a:rPr lang="ko-KR" altLang="en-US" sz="1100" dirty="0" smtClean="0">
+              <a:rPr lang="ko-KR" altLang="en-US" sz="1100" dirty="0">
                 <a:solidFill>
                   <a:sysClr val="windowText" lastClr="000000"/>
                 </a:solidFill>
               </a:rPr>
               <a:t>강의평가 결과 조회 처리</a:t>
             </a:r>
-            <a:endParaRPr lang="ko-KR" altLang="en-US" sz="1100" dirty="0">
-              <a:solidFill>
-                <a:sysClr val="windowText" lastClr="000000"/>
-              </a:solidFill>
-            </a:endParaRPr>
           </a:p>
         </p:txBody>
       </p:sp>
@@ -3181,18 +3150,13 @@
           <a:p>
             <a:pPr algn="ctr"/>
             <a:r>
-              <a:rPr lang="ko-KR" altLang="en-US" sz="1100" dirty="0" smtClean="0">
+              <a:rPr lang="ko-KR" altLang="en-US" sz="1100" dirty="0">
                 <a:solidFill>
                   <a:sysClr val="windowText" lastClr="000000"/>
                 </a:solidFill>
               </a:rPr>
               <a:t>강의평가 결과 조회 결과 출력</a:t>
             </a:r>
-            <a:endParaRPr lang="ko-KR" altLang="en-US" sz="1100" dirty="0">
-              <a:solidFill>
-                <a:sysClr val="windowText" lastClr="000000"/>
-              </a:solidFill>
-            </a:endParaRPr>
           </a:p>
         </p:txBody>
       </p:sp>
@@ -3385,10 +3349,9 @@
           <a:lstStyle/>
           <a:p>
             <a:r>
-              <a:rPr lang="ko-KR" altLang="en-US" sz="1100" dirty="0" smtClean="0"/>
+              <a:rPr lang="ko-KR" altLang="en-US" sz="1100" dirty="0"/>
               <a:t>강의평가 결과 조회 결과 정보</a:t>
             </a:r>
-            <a:endParaRPr lang="ko-KR" altLang="en-US" sz="1100" dirty="0"/>
           </a:p>
         </p:txBody>
       </p:sp>
@@ -3511,7 +3474,7 @@
           <a:lstStyle/>
           <a:p>
             <a:r>
-              <a:rPr lang="ko-KR" altLang="en-US" sz="1100" dirty="0" smtClean="0"/>
+              <a:rPr lang="ko-KR" altLang="en-US" sz="1100" dirty="0"/>
               <a:t>조회할 강의평가 결과 정보</a:t>
             </a:r>
             <a:endParaRPr lang="ko-KR" altLang="en-US" sz="1600" dirty="0"/>
@@ -3526,7 +3489,7 @@
         </p:nvGrpSpPr>
         <p:grpSpPr>
           <a:xfrm rot="12890091">
-            <a:off x="6442481" y="3261889"/>
+            <a:off x="6351039" y="3216152"/>
             <a:ext cx="465295" cy="429840"/>
             <a:chOff x="5764817" y="2081712"/>
             <a:chExt cx="465295" cy="429840"/>
@@ -3659,18 +3622,13 @@
           <a:p>
             <a:pPr algn="ctr"/>
             <a:r>
-              <a:rPr lang="ko-KR" altLang="en-US" sz="1100" dirty="0" smtClean="0">
+              <a:rPr lang="ko-KR" altLang="en-US" sz="1100" dirty="0">
                 <a:solidFill>
                   <a:sysClr val="windowText" lastClr="000000"/>
                 </a:solidFill>
               </a:rPr>
               <a:t>강의평가 결과 조회</a:t>
             </a:r>
-            <a:endParaRPr lang="ko-KR" altLang="en-US" sz="1100" dirty="0">
-              <a:solidFill>
-                <a:sysClr val="windowText" lastClr="000000"/>
-              </a:solidFill>
-            </a:endParaRPr>
           </a:p>
         </p:txBody>
       </p:sp>
@@ -3793,14 +3751,14 @@
           <a:lstStyle/>
           <a:p>
             <a:r>
-              <a:rPr lang="ko-KR" altLang="en-US" sz="1100" dirty="0" smtClean="0"/>
+              <a:rPr lang="ko-KR" altLang="en-US" sz="1100" dirty="0"/>
               <a:t>조회할 강의평가</a:t>
             </a:r>
-            <a:endParaRPr lang="en-US" altLang="ko-KR" sz="1100" dirty="0" smtClean="0"/>
-          </a:p>
-          <a:p>
-            <a:r>
-              <a:rPr lang="ko-KR" altLang="en-US" sz="1100" dirty="0" smtClean="0"/>
+            <a:endParaRPr lang="en-US" altLang="ko-KR" sz="1100" dirty="0"/>
+          </a:p>
+          <a:p>
+            <a:r>
+              <a:rPr lang="ko-KR" altLang="en-US" sz="1100" dirty="0"/>
               <a:t>결과 정보</a:t>
             </a:r>
             <a:endParaRPr lang="ko-KR" altLang="en-US" sz="1600" dirty="0"/>
@@ -4028,14 +3986,14 @@
             <a:p>
               <a:pPr algn="ctr"/>
               <a:r>
-                <a:rPr lang="ko-KR" altLang="en-US" sz="1100" dirty="0" smtClean="0">
+                <a:rPr lang="ko-KR" altLang="en-US" sz="1100" dirty="0">
                   <a:solidFill>
                     <a:schemeClr val="tx1"/>
                   </a:solidFill>
                 </a:rPr>
                 <a:t>강의평가 결과</a:t>
               </a:r>
-              <a:endParaRPr lang="en-US" altLang="ko-KR" sz="1100" dirty="0" smtClean="0">
+              <a:endParaRPr lang="en-US" altLang="ko-KR" sz="1100" dirty="0">
                 <a:solidFill>
                   <a:schemeClr val="tx1"/>
                 </a:solidFill>
@@ -4044,14 +4002,14 @@
             <a:p>
               <a:pPr algn="ctr"/>
               <a:r>
-                <a:rPr lang="ko-KR" altLang="en-US" sz="1100" dirty="0" smtClean="0">
+                <a:rPr lang="ko-KR" altLang="en-US" sz="1100" dirty="0">
                   <a:solidFill>
                     <a:schemeClr val="tx1"/>
                   </a:solidFill>
                 </a:rPr>
                 <a:t>정보 저장소</a:t>
               </a:r>
-              <a:endParaRPr lang="en-US" altLang="ko-KR" sz="1100" dirty="0" smtClean="0">
+              <a:endParaRPr lang="en-US" altLang="ko-KR" sz="1100" dirty="0">
                 <a:solidFill>
                   <a:schemeClr val="tx1"/>
                 </a:solidFill>
@@ -4215,7 +4173,7 @@
           <a:lstStyle/>
           <a:p>
             <a:r>
-              <a:rPr lang="ko-KR" altLang="en-US" sz="1100" dirty="0" smtClean="0"/>
+              <a:rPr lang="ko-KR" altLang="en-US" sz="1100" dirty="0"/>
               <a:t>강의평가 결과 리스트 정보</a:t>
             </a:r>
             <a:endParaRPr lang="ko-KR" altLang="en-US" sz="1600" dirty="0"/>
@@ -4341,7 +4299,7 @@
           <a:lstStyle/>
           <a:p>
             <a:r>
-              <a:rPr lang="ko-KR" altLang="en-US" sz="1100" dirty="0" smtClean="0"/>
+              <a:rPr lang="ko-KR" altLang="en-US" sz="1100" dirty="0"/>
               <a:t>강의평가 결과 리스트 정보</a:t>
             </a:r>
             <a:endParaRPr lang="ko-KR" altLang="en-US" sz="1600" dirty="0"/>
@@ -4371,7 +4329,7 @@
           <a:lstStyle/>
           <a:p>
             <a:r>
-              <a:rPr lang="ko-KR" altLang="en-US" sz="1100" dirty="0" smtClean="0"/>
+              <a:rPr lang="ko-KR" altLang="en-US" sz="1100" dirty="0"/>
               <a:t>조회된 강의평가</a:t>
             </a:r>
             <a:r>
@@ -4379,144 +4337,8 @@
               <a:t> </a:t>
             </a:r>
             <a:r>
-              <a:rPr lang="ko-KR" altLang="en-US" sz="1100" dirty="0" smtClean="0"/>
+              <a:rPr lang="ko-KR" altLang="en-US" sz="1100" dirty="0"/>
               <a:t>결과 정보</a:t>
-            </a:r>
-            <a:endParaRPr lang="ko-KR" altLang="en-US" sz="1600" dirty="0"/>
-          </a:p>
-        </p:txBody>
-      </p:sp>
-      <p:grpSp>
-        <p:nvGrpSpPr>
-          <p:cNvPr id="42" name="그룹 41"/>
-          <p:cNvGrpSpPr/>
-          <p:nvPr/>
-        </p:nvGrpSpPr>
-        <p:grpSpPr>
-          <a:xfrm rot="12890091">
-            <a:off x="6013782" y="1649172"/>
-            <a:ext cx="465295" cy="429840"/>
-            <a:chOff x="5764817" y="2081712"/>
-            <a:chExt cx="465295" cy="429840"/>
-          </a:xfrm>
-        </p:grpSpPr>
-        <p:sp>
-          <p:nvSpPr>
-            <p:cNvPr id="44" name="타원 43"/>
-            <p:cNvSpPr/>
-            <p:nvPr/>
-          </p:nvSpPr>
-          <p:spPr>
-            <a:xfrm>
-              <a:off x="5764817" y="2081712"/>
-              <a:ext cx="254984" cy="254984"/>
-            </a:xfrm>
-            <a:prstGeom prst="ellipse">
-              <a:avLst/>
-            </a:prstGeom>
-            <a:solidFill>
-              <a:schemeClr val="accent1"/>
-            </a:solidFill>
-            <a:ln w="38100">
-              <a:solidFill>
-                <a:schemeClr val="accent1"/>
-              </a:solidFill>
-            </a:ln>
-          </p:spPr>
-          <p:style>
-            <a:lnRef idx="2">
-              <a:schemeClr val="accent1">
-                <a:shade val="50000"/>
-              </a:schemeClr>
-            </a:lnRef>
-            <a:fillRef idx="1">
-              <a:schemeClr val="accent1"/>
-            </a:fillRef>
-            <a:effectRef idx="0">
-              <a:schemeClr val="accent1"/>
-            </a:effectRef>
-            <a:fontRef idx="minor">
-              <a:schemeClr val="lt1"/>
-            </a:fontRef>
-          </p:style>
-          <p:txBody>
-            <a:bodyPr rtlCol="0" anchor="ctr"/>
-            <a:lstStyle/>
-            <a:p>
-              <a:pPr algn="ctr"/>
-              <a:endParaRPr lang="ko-KR" altLang="en-US"/>
-            </a:p>
-          </p:txBody>
-        </p:sp>
-        <p:cxnSp>
-          <p:nvCxnSpPr>
-            <p:cNvPr id="46" name="직선 연결선 45"/>
-            <p:cNvCxnSpPr>
-              <a:endCxn id="44" idx="5"/>
-            </p:cNvCxnSpPr>
-            <p:nvPr/>
-          </p:nvCxnSpPr>
-          <p:spPr>
-            <a:xfrm flipH="1" flipV="1">
-              <a:off x="5982459" y="2299354"/>
-              <a:ext cx="247653" cy="212198"/>
-            </a:xfrm>
-            <a:prstGeom prst="line">
-              <a:avLst/>
-            </a:prstGeom>
-            <a:ln w="38100">
-              <a:headEnd type="stealth" w="lg" len="lg"/>
-            </a:ln>
-          </p:spPr>
-          <p:style>
-            <a:lnRef idx="1">
-              <a:schemeClr val="accent1"/>
-            </a:lnRef>
-            <a:fillRef idx="0">
-              <a:schemeClr val="accent1"/>
-            </a:fillRef>
-            <a:effectRef idx="0">
-              <a:schemeClr val="accent1"/>
-            </a:effectRef>
-            <a:fontRef idx="minor">
-              <a:schemeClr val="tx1"/>
-            </a:fontRef>
-          </p:style>
-        </p:cxnSp>
-      </p:grpSp>
-      <p:sp>
-        <p:nvSpPr>
-          <p:cNvPr id="47" name="TextBox 46"/>
-          <p:cNvSpPr txBox="1"/>
-          <p:nvPr/>
-        </p:nvSpPr>
-        <p:spPr>
-          <a:xfrm rot="4333852">
-            <a:off x="5863924" y="1739625"/>
-            <a:ext cx="1264193" cy="261610"/>
-          </a:xfrm>
-          <a:prstGeom prst="rect">
-            <a:avLst/>
-          </a:prstGeom>
-          <a:noFill/>
-        </p:spPr>
-        <p:txBody>
-          <a:bodyPr wrap="square" rtlCol="0">
-            <a:spAutoFit/>
-          </a:bodyPr>
-          <a:lstStyle/>
-          <a:p>
-            <a:r>
-              <a:rPr lang="ko-KR" altLang="en-US" sz="1100" dirty="0" smtClean="0"/>
-              <a:t>조회</a:t>
-            </a:r>
-            <a:r>
-              <a:rPr lang="en-US" altLang="ko-KR" sz="1100" dirty="0"/>
-              <a:t> </a:t>
-            </a:r>
-            <a:r>
-              <a:rPr lang="ko-KR" altLang="en-US" sz="1100" dirty="0" smtClean="0"/>
-              <a:t>성공 여부</a:t>
             </a:r>
             <a:endParaRPr lang="ko-KR" altLang="en-US" sz="1600" dirty="0"/>
           </a:p>

--- a/SDD 관련 자료/작업 결과물/처리 모형도/강의평과 결과 조회.pptx
+++ b/SDD 관련 자료/작업 결과물/처리 모형도/강의평과 결과 조회.pptx
@@ -252,7 +252,7 @@
           <a:p>
             <a:fld id="{CF8179D7-D033-41D0-A6BF-A7F2D307D978}" type="datetimeFigureOut">
               <a:rPr lang="ko-KR" altLang="en-US" smtClean="0"/>
-              <a:t>2016-05-23</a:t>
+              <a:t>2016-05-24</a:t>
             </a:fld>
             <a:endParaRPr lang="ko-KR" altLang="en-US"/>
           </a:p>
@@ -420,7 +420,7 @@
           <a:p>
             <a:fld id="{CF8179D7-D033-41D0-A6BF-A7F2D307D978}" type="datetimeFigureOut">
               <a:rPr lang="ko-KR" altLang="en-US" smtClean="0"/>
-              <a:t>2016-05-23</a:t>
+              <a:t>2016-05-24</a:t>
             </a:fld>
             <a:endParaRPr lang="ko-KR" altLang="en-US"/>
           </a:p>
@@ -598,7 +598,7 @@
           <a:p>
             <a:fld id="{CF8179D7-D033-41D0-A6BF-A7F2D307D978}" type="datetimeFigureOut">
               <a:rPr lang="ko-KR" altLang="en-US" smtClean="0"/>
-              <a:t>2016-05-23</a:t>
+              <a:t>2016-05-24</a:t>
             </a:fld>
             <a:endParaRPr lang="ko-KR" altLang="en-US"/>
           </a:p>
@@ -766,7 +766,7 @@
           <a:p>
             <a:fld id="{CF8179D7-D033-41D0-A6BF-A7F2D307D978}" type="datetimeFigureOut">
               <a:rPr lang="ko-KR" altLang="en-US" smtClean="0"/>
-              <a:t>2016-05-23</a:t>
+              <a:t>2016-05-24</a:t>
             </a:fld>
             <a:endParaRPr lang="ko-KR" altLang="en-US"/>
           </a:p>
@@ -1011,7 +1011,7 @@
           <a:p>
             <a:fld id="{CF8179D7-D033-41D0-A6BF-A7F2D307D978}" type="datetimeFigureOut">
               <a:rPr lang="ko-KR" altLang="en-US" smtClean="0"/>
-              <a:t>2016-05-23</a:t>
+              <a:t>2016-05-24</a:t>
             </a:fld>
             <a:endParaRPr lang="ko-KR" altLang="en-US"/>
           </a:p>
@@ -1240,7 +1240,7 @@
           <a:p>
             <a:fld id="{CF8179D7-D033-41D0-A6BF-A7F2D307D978}" type="datetimeFigureOut">
               <a:rPr lang="ko-KR" altLang="en-US" smtClean="0"/>
-              <a:t>2016-05-23</a:t>
+              <a:t>2016-05-24</a:t>
             </a:fld>
             <a:endParaRPr lang="ko-KR" altLang="en-US"/>
           </a:p>
@@ -1604,7 +1604,7 @@
           <a:p>
             <a:fld id="{CF8179D7-D033-41D0-A6BF-A7F2D307D978}" type="datetimeFigureOut">
               <a:rPr lang="ko-KR" altLang="en-US" smtClean="0"/>
-              <a:t>2016-05-23</a:t>
+              <a:t>2016-05-24</a:t>
             </a:fld>
             <a:endParaRPr lang="ko-KR" altLang="en-US"/>
           </a:p>
@@ -1721,7 +1721,7 @@
           <a:p>
             <a:fld id="{CF8179D7-D033-41D0-A6BF-A7F2D307D978}" type="datetimeFigureOut">
               <a:rPr lang="ko-KR" altLang="en-US" smtClean="0"/>
-              <a:t>2016-05-23</a:t>
+              <a:t>2016-05-24</a:t>
             </a:fld>
             <a:endParaRPr lang="ko-KR" altLang="en-US"/>
           </a:p>
@@ -1816,7 +1816,7 @@
           <a:p>
             <a:fld id="{CF8179D7-D033-41D0-A6BF-A7F2D307D978}" type="datetimeFigureOut">
               <a:rPr lang="ko-KR" altLang="en-US" smtClean="0"/>
-              <a:t>2016-05-23</a:t>
+              <a:t>2016-05-24</a:t>
             </a:fld>
             <a:endParaRPr lang="ko-KR" altLang="en-US"/>
           </a:p>
@@ -2091,7 +2091,7 @@
           <a:p>
             <a:fld id="{CF8179D7-D033-41D0-A6BF-A7F2D307D978}" type="datetimeFigureOut">
               <a:rPr lang="ko-KR" altLang="en-US" smtClean="0"/>
-              <a:t>2016-05-23</a:t>
+              <a:t>2016-05-24</a:t>
             </a:fld>
             <a:endParaRPr lang="ko-KR" altLang="en-US"/>
           </a:p>
@@ -2343,7 +2343,7 @@
           <a:p>
             <a:fld id="{CF8179D7-D033-41D0-A6BF-A7F2D307D978}" type="datetimeFigureOut">
               <a:rPr lang="ko-KR" altLang="en-US" smtClean="0"/>
-              <a:t>2016-05-23</a:t>
+              <a:t>2016-05-24</a:t>
             </a:fld>
             <a:endParaRPr lang="ko-KR" altLang="en-US"/>
           </a:p>
@@ -2554,7 +2554,7 @@
           <a:p>
             <a:fld id="{CF8179D7-D033-41D0-A6BF-A7F2D307D978}" type="datetimeFigureOut">
               <a:rPr lang="ko-KR" altLang="en-US" smtClean="0"/>
-              <a:t>2016-05-23</a:t>
+              <a:t>2016-05-24</a:t>
             </a:fld>
             <a:endParaRPr lang="ko-KR" altLang="en-US"/>
           </a:p>
@@ -2967,7 +2967,7 @@
         </p:nvSpPr>
         <p:spPr>
           <a:xfrm>
-            <a:off x="363431" y="3940001"/>
+            <a:off x="2428332" y="5935821"/>
             <a:ext cx="1556992" cy="726131"/>
           </a:xfrm>
           <a:prstGeom prst="rect">
@@ -3024,7 +3024,7 @@
         </p:nvCxnSpPr>
         <p:spPr>
           <a:xfrm flipH="1">
-            <a:off x="1141927" y="924746"/>
+            <a:off x="3206828" y="2920566"/>
             <a:ext cx="3716977" cy="3015255"/>
           </a:xfrm>
           <a:prstGeom prst="straightConnector1">
@@ -3058,7 +3058,7 @@
         </p:nvSpPr>
         <p:spPr>
           <a:xfrm>
-            <a:off x="5959514" y="4934122"/>
+            <a:off x="8024415" y="6929942"/>
             <a:ext cx="1556992" cy="726131"/>
           </a:xfrm>
           <a:prstGeom prst="rect">
@@ -3113,7 +3113,7 @@
         </p:nvSpPr>
         <p:spPr>
           <a:xfrm>
-            <a:off x="8570107" y="3940001"/>
+            <a:off x="10635008" y="5935821"/>
             <a:ext cx="1556992" cy="726131"/>
           </a:xfrm>
           <a:prstGeom prst="rect">
@@ -3168,7 +3168,7 @@
         </p:nvCxnSpPr>
         <p:spPr>
           <a:xfrm flipH="1">
-            <a:off x="3591321" y="921779"/>
+            <a:off x="5656222" y="2917599"/>
             <a:ext cx="1617940" cy="4012343"/>
           </a:xfrm>
           <a:prstGeom prst="straightConnector1">
@@ -3204,7 +3204,7 @@
         </p:nvCxnSpPr>
         <p:spPr>
           <a:xfrm>
-            <a:off x="5959514" y="921779"/>
+            <a:off x="8024415" y="2917599"/>
             <a:ext cx="3389089" cy="3018222"/>
           </a:xfrm>
           <a:prstGeom prst="straightConnector1">
@@ -3238,7 +3238,7 @@
         </p:nvGrpSpPr>
         <p:grpSpPr>
           <a:xfrm rot="282253">
-            <a:off x="7589569" y="2003062"/>
+            <a:off x="9654470" y="3998882"/>
             <a:ext cx="465295" cy="429840"/>
             <a:chOff x="5764817" y="2081712"/>
             <a:chExt cx="465295" cy="429840"/>
@@ -3334,7 +3334,7 @@
         </p:nvSpPr>
         <p:spPr>
           <a:xfrm rot="2557281">
-            <a:off x="7104372" y="2016743"/>
+            <a:off x="9169273" y="4012563"/>
             <a:ext cx="2076209" cy="261610"/>
           </a:xfrm>
           <a:prstGeom prst="rect">
@@ -3363,7 +3363,7 @@
         </p:nvGrpSpPr>
         <p:grpSpPr>
           <a:xfrm rot="16602684">
-            <a:off x="2290570" y="2287675"/>
+            <a:off x="4355471" y="4283495"/>
             <a:ext cx="465295" cy="429840"/>
             <a:chOff x="5764817" y="2081712"/>
             <a:chExt cx="465295" cy="429840"/>
@@ -3459,7 +3459,7 @@
         </p:nvSpPr>
         <p:spPr>
           <a:xfrm rot="19199642">
-            <a:off x="1284126" y="2221873"/>
+            <a:off x="3349027" y="4217693"/>
             <a:ext cx="2064041" cy="261610"/>
           </a:xfrm>
           <a:prstGeom prst="rect">
@@ -3489,7 +3489,7 @@
         </p:nvGrpSpPr>
         <p:grpSpPr>
           <a:xfrm rot="12890091">
-            <a:off x="6351039" y="3216152"/>
+            <a:off x="8415940" y="5211972"/>
             <a:ext cx="465295" cy="429840"/>
             <a:chOff x="5764817" y="2081712"/>
             <a:chExt cx="465295" cy="429840"/>
@@ -3585,7 +3585,7 @@
         </p:nvSpPr>
         <p:spPr>
           <a:xfrm>
-            <a:off x="4631947" y="182632"/>
+            <a:off x="6696848" y="2178452"/>
             <a:ext cx="1556992" cy="726131"/>
           </a:xfrm>
           <a:prstGeom prst="rect">
@@ -3640,7 +3640,7 @@
         </p:nvGrpSpPr>
         <p:grpSpPr>
           <a:xfrm rot="1952499">
-            <a:off x="5431728" y="1752728"/>
+            <a:off x="7496629" y="3748548"/>
             <a:ext cx="465295" cy="429840"/>
             <a:chOff x="5764817" y="2081712"/>
             <a:chExt cx="465295" cy="429840"/>
@@ -3736,7 +3736,7 @@
         </p:nvSpPr>
         <p:spPr>
           <a:xfrm rot="15427772">
-            <a:off x="4709785" y="1817492"/>
+            <a:off x="6774686" y="3813312"/>
             <a:ext cx="1221809" cy="430887"/>
           </a:xfrm>
           <a:prstGeom prst="rect">
@@ -3773,7 +3773,7 @@
         </p:nvGrpSpPr>
         <p:grpSpPr>
           <a:xfrm>
-            <a:off x="2760187" y="4959490"/>
+            <a:off x="4825088" y="6955310"/>
             <a:ext cx="1561933" cy="676405"/>
             <a:chOff x="8118153" y="2442575"/>
             <a:chExt cx="1561933" cy="676405"/>
@@ -4028,7 +4028,7 @@
         </p:nvCxnSpPr>
         <p:spPr>
           <a:xfrm>
-            <a:off x="5649865" y="924745"/>
+            <a:off x="7714766" y="2920565"/>
             <a:ext cx="1088145" cy="4009377"/>
           </a:xfrm>
           <a:prstGeom prst="straightConnector1">
@@ -4062,7 +4062,7 @@
         </p:nvGrpSpPr>
         <p:grpSpPr>
           <a:xfrm rot="15386436">
-            <a:off x="3882890" y="2829870"/>
+            <a:off x="5947791" y="4825690"/>
             <a:ext cx="465295" cy="429840"/>
             <a:chOff x="5764817" y="2081712"/>
             <a:chExt cx="465295" cy="429840"/>
@@ -4158,7 +4158,7 @@
         </p:nvSpPr>
         <p:spPr>
           <a:xfrm rot="17772725">
-            <a:off x="2812767" y="2766051"/>
+            <a:off x="4877668" y="4761871"/>
             <a:ext cx="2065042" cy="261610"/>
           </a:xfrm>
           <a:prstGeom prst="rect">
@@ -4188,7 +4188,7 @@
         </p:nvGrpSpPr>
         <p:grpSpPr>
           <a:xfrm rot="1952499">
-            <a:off x="5813463" y="3359732"/>
+            <a:off x="7878364" y="5355552"/>
             <a:ext cx="465295" cy="429840"/>
             <a:chOff x="5764817" y="2081712"/>
             <a:chExt cx="465295" cy="429840"/>
@@ -4284,7 +4284,7 @@
         </p:nvSpPr>
         <p:spPr>
           <a:xfrm rot="15427772">
-            <a:off x="4754850" y="3576627"/>
+            <a:off x="6819751" y="5572447"/>
             <a:ext cx="1885453" cy="261610"/>
           </a:xfrm>
           <a:prstGeom prst="rect">
@@ -4314,7 +4314,7 @@
         </p:nvSpPr>
         <p:spPr>
           <a:xfrm rot="4178630">
-            <a:off x="6000115" y="3219103"/>
+            <a:off x="8065016" y="5214923"/>
             <a:ext cx="1913863" cy="261610"/>
           </a:xfrm>
           <a:prstGeom prst="rect">
@@ -4339,6 +4339,453 @@
             <a:r>
               <a:rPr lang="ko-KR" altLang="en-US" sz="1100" dirty="0"/>
               <a:t>결과 정보</a:t>
+            </a:r>
+            <a:endParaRPr lang="ko-KR" altLang="en-US" sz="1600" dirty="0"/>
+          </a:p>
+        </p:txBody>
+      </p:sp>
+      <p:sp>
+        <p:nvSpPr>
+          <p:cNvPr id="38" name="직사각형 37"/>
+          <p:cNvSpPr/>
+          <p:nvPr/>
+        </p:nvSpPr>
+        <p:spPr>
+          <a:xfrm>
+            <a:off x="4099230" y="-190980"/>
+            <a:ext cx="1556992" cy="726131"/>
+          </a:xfrm>
+          <a:prstGeom prst="rect">
+            <a:avLst/>
+          </a:prstGeom>
+          <a:noFill/>
+          <a:ln w="31750">
+            <a:solidFill>
+              <a:schemeClr val="accent1">
+                <a:shade val="50000"/>
+              </a:schemeClr>
+            </a:solidFill>
+          </a:ln>
+        </p:spPr>
+        <p:style>
+          <a:lnRef idx="2">
+            <a:schemeClr val="accent1">
+              <a:shade val="50000"/>
+            </a:schemeClr>
+          </a:lnRef>
+          <a:fillRef idx="1">
+            <a:schemeClr val="accent1"/>
+          </a:fillRef>
+          <a:effectRef idx="0">
+            <a:schemeClr val="accent1"/>
+          </a:effectRef>
+          <a:fontRef idx="minor">
+            <a:schemeClr val="lt1"/>
+          </a:fontRef>
+        </p:style>
+        <p:txBody>
+          <a:bodyPr rtlCol="0" anchor="ctr"/>
+          <a:lstStyle/>
+          <a:p>
+            <a:pPr algn="ctr"/>
+            <a:r>
+              <a:rPr lang="ko-KR" altLang="en-US" sz="1100" dirty="0">
+                <a:solidFill>
+                  <a:sysClr val="windowText" lastClr="000000"/>
+                </a:solidFill>
+              </a:rPr>
+              <a:t>강의평가 결과 조회</a:t>
+            </a:r>
+          </a:p>
+        </p:txBody>
+      </p:sp>
+      <p:sp>
+        <p:nvSpPr>
+          <p:cNvPr id="41" name="직사각형 40"/>
+          <p:cNvSpPr/>
+          <p:nvPr/>
+        </p:nvSpPr>
+        <p:spPr>
+          <a:xfrm>
+            <a:off x="1316621" y="2182316"/>
+            <a:ext cx="1556992" cy="726131"/>
+          </a:xfrm>
+          <a:prstGeom prst="rect">
+            <a:avLst/>
+          </a:prstGeom>
+          <a:noFill/>
+          <a:ln w="31750">
+            <a:solidFill>
+              <a:schemeClr val="accent1">
+                <a:shade val="50000"/>
+              </a:schemeClr>
+            </a:solidFill>
+          </a:ln>
+        </p:spPr>
+        <p:style>
+          <a:lnRef idx="2">
+            <a:schemeClr val="accent1">
+              <a:shade val="50000"/>
+            </a:schemeClr>
+          </a:lnRef>
+          <a:fillRef idx="1">
+            <a:schemeClr val="accent1"/>
+          </a:fillRef>
+          <a:effectRef idx="0">
+            <a:schemeClr val="accent1"/>
+          </a:effectRef>
+          <a:fontRef idx="minor">
+            <a:schemeClr val="lt1"/>
+          </a:fontRef>
+        </p:style>
+        <p:txBody>
+          <a:bodyPr rtlCol="0" anchor="ctr"/>
+          <a:lstStyle/>
+          <a:p>
+            <a:pPr algn="ctr"/>
+            <a:r>
+              <a:rPr lang="ko-KR" altLang="en-US" sz="1100" dirty="0">
+                <a:solidFill>
+                  <a:schemeClr val="tx1"/>
+                </a:solidFill>
+              </a:rPr>
+              <a:t>화면 출력</a:t>
+            </a:r>
+          </a:p>
+        </p:txBody>
+      </p:sp>
+      <p:grpSp>
+        <p:nvGrpSpPr>
+          <p:cNvPr id="47" name="그룹 46"/>
+          <p:cNvGrpSpPr/>
+          <p:nvPr/>
+        </p:nvGrpSpPr>
+        <p:grpSpPr>
+          <a:xfrm rot="6292510">
+            <a:off x="2661153" y="1143814"/>
+            <a:ext cx="465295" cy="429840"/>
+            <a:chOff x="5764817" y="2081712"/>
+            <a:chExt cx="465295" cy="429840"/>
+          </a:xfrm>
+        </p:grpSpPr>
+        <p:sp>
+          <p:nvSpPr>
+            <p:cNvPr id="52" name="타원 51"/>
+            <p:cNvSpPr/>
+            <p:nvPr/>
+          </p:nvSpPr>
+          <p:spPr>
+            <a:xfrm>
+              <a:off x="5764817" y="2081712"/>
+              <a:ext cx="254984" cy="254984"/>
+            </a:xfrm>
+            <a:prstGeom prst="ellipse">
+              <a:avLst/>
+            </a:prstGeom>
+            <a:noFill/>
+            <a:ln w="38100">
+              <a:solidFill>
+                <a:schemeClr val="accent1"/>
+              </a:solidFill>
+            </a:ln>
+          </p:spPr>
+          <p:style>
+            <a:lnRef idx="2">
+              <a:schemeClr val="accent1">
+                <a:shade val="50000"/>
+              </a:schemeClr>
+            </a:lnRef>
+            <a:fillRef idx="1">
+              <a:schemeClr val="accent1"/>
+            </a:fillRef>
+            <a:effectRef idx="0">
+              <a:schemeClr val="accent1"/>
+            </a:effectRef>
+            <a:fontRef idx="minor">
+              <a:schemeClr val="lt1"/>
+            </a:fontRef>
+          </p:style>
+          <p:txBody>
+            <a:bodyPr rtlCol="0" anchor="ctr"/>
+            <a:lstStyle/>
+            <a:p>
+              <a:pPr algn="ctr"/>
+              <a:endParaRPr lang="ko-KR" altLang="en-US"/>
+            </a:p>
+          </p:txBody>
+        </p:sp>
+        <p:cxnSp>
+          <p:nvCxnSpPr>
+            <p:cNvPr id="53" name="직선 연결선 52"/>
+            <p:cNvCxnSpPr>
+              <a:endCxn id="52" idx="5"/>
+            </p:cNvCxnSpPr>
+            <p:nvPr/>
+          </p:nvCxnSpPr>
+          <p:spPr>
+            <a:xfrm flipH="1" flipV="1">
+              <a:off x="5982459" y="2299354"/>
+              <a:ext cx="247653" cy="212198"/>
+            </a:xfrm>
+            <a:prstGeom prst="line">
+              <a:avLst/>
+            </a:prstGeom>
+            <a:ln w="38100">
+              <a:headEnd type="stealth" w="lg" len="lg"/>
+            </a:ln>
+          </p:spPr>
+          <p:style>
+            <a:lnRef idx="1">
+              <a:schemeClr val="accent1"/>
+            </a:lnRef>
+            <a:fillRef idx="0">
+              <a:schemeClr val="accent1"/>
+            </a:fillRef>
+            <a:effectRef idx="0">
+              <a:schemeClr val="accent1"/>
+            </a:effectRef>
+            <a:fontRef idx="minor">
+              <a:schemeClr val="tx1"/>
+            </a:fontRef>
+          </p:style>
+        </p:cxnSp>
+      </p:grpSp>
+      <p:sp>
+        <p:nvSpPr>
+          <p:cNvPr id="54" name="TextBox 53"/>
+          <p:cNvSpPr txBox="1"/>
+          <p:nvPr/>
+        </p:nvSpPr>
+        <p:spPr>
+          <a:xfrm rot="19636808">
+            <a:off x="2331253" y="1021602"/>
+            <a:ext cx="657552" cy="261610"/>
+          </a:xfrm>
+          <a:prstGeom prst="rect">
+            <a:avLst/>
+          </a:prstGeom>
+          <a:noFill/>
+        </p:spPr>
+        <p:txBody>
+          <a:bodyPr wrap="none" rtlCol="0">
+            <a:spAutoFit/>
+          </a:bodyPr>
+          <a:lstStyle/>
+          <a:p>
+            <a:pPr algn="ctr"/>
+            <a:r>
+              <a:rPr lang="ko-KR" altLang="en-US" sz="1100" dirty="0"/>
+              <a:t>화면 명</a:t>
+            </a:r>
+            <a:endParaRPr lang="ko-KR" altLang="en-US" sz="1600" dirty="0"/>
+          </a:p>
+        </p:txBody>
+      </p:sp>
+      <p:cxnSp>
+        <p:nvCxnSpPr>
+          <p:cNvPr id="56" name="직선 화살표 연결선 55"/>
+          <p:cNvCxnSpPr>
+            <a:stCxn id="38" idx="2"/>
+            <a:endCxn id="41" idx="0"/>
+          </p:cNvCxnSpPr>
+          <p:nvPr/>
+        </p:nvCxnSpPr>
+        <p:spPr>
+          <a:xfrm flipH="1">
+            <a:off x="2095117" y="535151"/>
+            <a:ext cx="2782609" cy="1647165"/>
+          </a:xfrm>
+          <a:prstGeom prst="straightConnector1">
+            <a:avLst/>
+          </a:prstGeom>
+          <a:ln w="38100">
+            <a:headEnd w="lg" len="lg"/>
+            <a:tailEnd type="triangle"/>
+          </a:ln>
+        </p:spPr>
+        <p:style>
+          <a:lnRef idx="1">
+            <a:schemeClr val="accent1"/>
+          </a:lnRef>
+          <a:fillRef idx="0">
+            <a:schemeClr val="accent1"/>
+          </a:fillRef>
+          <a:effectRef idx="0">
+            <a:schemeClr val="accent1"/>
+          </a:effectRef>
+          <a:fontRef idx="minor">
+            <a:schemeClr val="tx1"/>
+          </a:fontRef>
+        </p:style>
+      </p:cxnSp>
+      <p:cxnSp>
+        <p:nvCxnSpPr>
+          <p:cNvPr id="61" name="직선 화살표 연결선 60"/>
+          <p:cNvCxnSpPr>
+            <a:stCxn id="38" idx="2"/>
+          </p:cNvCxnSpPr>
+          <p:nvPr/>
+        </p:nvCxnSpPr>
+        <p:spPr>
+          <a:xfrm>
+            <a:off x="4877726" y="535151"/>
+            <a:ext cx="2766480" cy="1652462"/>
+          </a:xfrm>
+          <a:prstGeom prst="straightConnector1">
+            <a:avLst/>
+          </a:prstGeom>
+          <a:ln w="38100">
+            <a:headEnd w="lg" len="lg"/>
+            <a:tailEnd type="triangle"/>
+          </a:ln>
+        </p:spPr>
+        <p:style>
+          <a:lnRef idx="1">
+            <a:schemeClr val="accent1"/>
+          </a:lnRef>
+          <a:fillRef idx="0">
+            <a:schemeClr val="accent1"/>
+          </a:fillRef>
+          <a:effectRef idx="0">
+            <a:schemeClr val="accent1"/>
+          </a:effectRef>
+          <a:fontRef idx="minor">
+            <a:schemeClr val="tx1"/>
+          </a:fontRef>
+        </p:style>
+      </p:cxnSp>
+      <p:grpSp>
+        <p:nvGrpSpPr>
+          <p:cNvPr id="70" name="그룹 69"/>
+          <p:cNvGrpSpPr/>
+          <p:nvPr/>
+        </p:nvGrpSpPr>
+        <p:grpSpPr>
+          <a:xfrm rot="21416685">
+            <a:off x="6135886" y="947170"/>
+            <a:ext cx="465295" cy="429840"/>
+            <a:chOff x="5764817" y="2081712"/>
+            <a:chExt cx="465295" cy="429840"/>
+          </a:xfrm>
+        </p:grpSpPr>
+        <p:sp>
+          <p:nvSpPr>
+            <p:cNvPr id="71" name="타원 70"/>
+            <p:cNvSpPr/>
+            <p:nvPr/>
+          </p:nvSpPr>
+          <p:spPr>
+            <a:xfrm>
+              <a:off x="5764817" y="2081712"/>
+              <a:ext cx="254984" cy="254984"/>
+            </a:xfrm>
+            <a:prstGeom prst="ellipse">
+              <a:avLst/>
+            </a:prstGeom>
+            <a:solidFill>
+              <a:schemeClr val="accent1"/>
+            </a:solidFill>
+            <a:ln w="38100">
+              <a:solidFill>
+                <a:schemeClr val="accent1"/>
+              </a:solidFill>
+            </a:ln>
+          </p:spPr>
+          <p:style>
+            <a:lnRef idx="2">
+              <a:schemeClr val="accent1">
+                <a:shade val="50000"/>
+              </a:schemeClr>
+            </a:lnRef>
+            <a:fillRef idx="1">
+              <a:schemeClr val="accent1"/>
+            </a:fillRef>
+            <a:effectRef idx="0">
+              <a:schemeClr val="accent1"/>
+            </a:effectRef>
+            <a:fontRef idx="minor">
+              <a:schemeClr val="lt1"/>
+            </a:fontRef>
+          </p:style>
+          <p:txBody>
+            <a:bodyPr rtlCol="0" anchor="ctr"/>
+            <a:lstStyle/>
+            <a:p>
+              <a:pPr algn="ctr"/>
+              <a:endParaRPr lang="ko-KR" altLang="en-US"/>
+            </a:p>
+          </p:txBody>
+        </p:sp>
+        <p:cxnSp>
+          <p:nvCxnSpPr>
+            <p:cNvPr id="73" name="직선 연결선 72"/>
+            <p:cNvCxnSpPr>
+              <a:endCxn id="71" idx="5"/>
+            </p:cNvCxnSpPr>
+            <p:nvPr/>
+          </p:nvCxnSpPr>
+          <p:spPr>
+            <a:xfrm flipH="1" flipV="1">
+              <a:off x="5982459" y="2299354"/>
+              <a:ext cx="247653" cy="212198"/>
+            </a:xfrm>
+            <a:prstGeom prst="line">
+              <a:avLst/>
+            </a:prstGeom>
+            <a:ln w="38100">
+              <a:headEnd type="stealth" w="lg" len="lg"/>
+            </a:ln>
+          </p:spPr>
+          <p:style>
+            <a:lnRef idx="1">
+              <a:schemeClr val="accent1"/>
+            </a:lnRef>
+            <a:fillRef idx="0">
+              <a:schemeClr val="accent1"/>
+            </a:fillRef>
+            <a:effectRef idx="0">
+              <a:schemeClr val="accent1"/>
+            </a:effectRef>
+            <a:fontRef idx="minor">
+              <a:schemeClr val="tx1"/>
+            </a:fontRef>
+          </p:style>
+        </p:cxnSp>
+      </p:grpSp>
+      <p:sp>
+        <p:nvSpPr>
+          <p:cNvPr id="74" name="TextBox 73"/>
+          <p:cNvSpPr txBox="1"/>
+          <p:nvPr/>
+        </p:nvSpPr>
+        <p:spPr>
+          <a:xfrm rot="2373847">
+            <a:off x="6212997" y="740132"/>
+            <a:ext cx="798617" cy="430887"/>
+          </a:xfrm>
+          <a:prstGeom prst="rect">
+            <a:avLst/>
+          </a:prstGeom>
+          <a:noFill/>
+        </p:spPr>
+        <p:txBody>
+          <a:bodyPr wrap="none" rtlCol="0">
+            <a:spAutoFit/>
+          </a:bodyPr>
+          <a:lstStyle/>
+          <a:p>
+            <a:pPr algn="ctr"/>
+            <a:r>
+              <a:rPr lang="ko-KR" altLang="en-US" sz="1100" dirty="0"/>
+              <a:t>권한 확인</a:t>
+            </a:r>
+            <a:endParaRPr lang="en-US" altLang="ko-KR" sz="1100" dirty="0"/>
+          </a:p>
+          <a:p>
+            <a:pPr algn="ctr"/>
+            <a:r>
+              <a:rPr lang="ko-KR" altLang="en-US" sz="1100" dirty="0"/>
+              <a:t>정보</a:t>
             </a:r>
             <a:endParaRPr lang="ko-KR" altLang="en-US" sz="1600" dirty="0"/>
           </a:p>

--- a/SDD 관련 자료/작업 결과물/처리 모형도/강의평과 결과 조회.pptx
+++ b/SDD 관련 자료/작업 결과물/처리 모형도/강의평과 결과 조회.pptx
@@ -3765,259 +3765,6 @@
           </a:p>
         </p:txBody>
       </p:sp>
-      <p:grpSp>
-        <p:nvGrpSpPr>
-          <p:cNvPr id="31" name="그룹 30"/>
-          <p:cNvGrpSpPr/>
-          <p:nvPr/>
-        </p:nvGrpSpPr>
-        <p:grpSpPr>
-          <a:xfrm>
-            <a:off x="4825088" y="6955310"/>
-            <a:ext cx="1561933" cy="676405"/>
-            <a:chOff x="8118153" y="2442575"/>
-            <a:chExt cx="1561933" cy="676405"/>
-          </a:xfrm>
-        </p:grpSpPr>
-        <p:cxnSp>
-          <p:nvCxnSpPr>
-            <p:cNvPr id="32" name="직선 연결선 31"/>
-            <p:cNvCxnSpPr/>
-            <p:nvPr/>
-          </p:nvCxnSpPr>
-          <p:spPr>
-            <a:xfrm>
-              <a:off x="8118153" y="2442575"/>
-              <a:ext cx="1560286" cy="0"/>
-            </a:xfrm>
-            <a:prstGeom prst="line">
-              <a:avLst/>
-            </a:prstGeom>
-            <a:ln w="38100">
-              <a:solidFill>
-                <a:srgbClr val="41719C"/>
-              </a:solidFill>
-            </a:ln>
-          </p:spPr>
-          <p:style>
-            <a:lnRef idx="1">
-              <a:schemeClr val="accent1"/>
-            </a:lnRef>
-            <a:fillRef idx="0">
-              <a:schemeClr val="accent1"/>
-            </a:fillRef>
-            <a:effectRef idx="0">
-              <a:schemeClr val="accent1"/>
-            </a:effectRef>
-            <a:fontRef idx="minor">
-              <a:schemeClr val="tx1"/>
-            </a:fontRef>
-          </p:style>
-        </p:cxnSp>
-        <p:cxnSp>
-          <p:nvCxnSpPr>
-            <p:cNvPr id="33" name="직선 연결선 32"/>
-            <p:cNvCxnSpPr/>
-            <p:nvPr/>
-          </p:nvCxnSpPr>
-          <p:spPr>
-            <a:xfrm>
-              <a:off x="8119800" y="3118980"/>
-              <a:ext cx="1560286" cy="0"/>
-            </a:xfrm>
-            <a:prstGeom prst="line">
-              <a:avLst/>
-            </a:prstGeom>
-            <a:ln w="38100">
-              <a:solidFill>
-                <a:srgbClr val="41719C"/>
-              </a:solidFill>
-            </a:ln>
-          </p:spPr>
-          <p:style>
-            <a:lnRef idx="1">
-              <a:schemeClr val="accent1"/>
-            </a:lnRef>
-            <a:fillRef idx="0">
-              <a:schemeClr val="accent1"/>
-            </a:fillRef>
-            <a:effectRef idx="0">
-              <a:schemeClr val="accent1"/>
-            </a:effectRef>
-            <a:fontRef idx="minor">
-              <a:schemeClr val="tx1"/>
-            </a:fontRef>
-          </p:style>
-        </p:cxnSp>
-        <p:sp>
-          <p:nvSpPr>
-            <p:cNvPr id="34" name="직사각형 33"/>
-            <p:cNvSpPr/>
-            <p:nvPr/>
-          </p:nvSpPr>
-          <p:spPr>
-            <a:xfrm>
-              <a:off x="8217074" y="2530257"/>
-              <a:ext cx="1377863" cy="502203"/>
-            </a:xfrm>
-            <a:prstGeom prst="rect">
-              <a:avLst/>
-            </a:prstGeom>
-            <a:solidFill>
-              <a:schemeClr val="bg1"/>
-            </a:solidFill>
-            <a:ln>
-              <a:noFill/>
-            </a:ln>
-          </p:spPr>
-          <p:style>
-            <a:lnRef idx="2">
-              <a:schemeClr val="accent1">
-                <a:shade val="50000"/>
-              </a:schemeClr>
-            </a:lnRef>
-            <a:fillRef idx="1">
-              <a:schemeClr val="accent1"/>
-            </a:fillRef>
-            <a:effectRef idx="0">
-              <a:schemeClr val="accent1"/>
-            </a:effectRef>
-            <a:fontRef idx="minor">
-              <a:schemeClr val="lt1"/>
-            </a:fontRef>
-          </p:style>
-          <p:txBody>
-            <a:bodyPr rtlCol="0" anchor="ctr"/>
-            <a:lstStyle>
-              <a:defPPr>
-                <a:defRPr lang="ko-KR"/>
-              </a:defPPr>
-              <a:lvl1pPr marL="0" algn="l" defTabSz="914400" rtl="0" eaLnBrk="1" latinLnBrk="1" hangingPunct="1">
-                <a:defRPr sz="1800" kern="1200">
-                  <a:solidFill>
-                    <a:schemeClr val="lt1"/>
-                  </a:solidFill>
-                  <a:latin typeface="+mn-lt"/>
-                  <a:ea typeface="+mn-ea"/>
-                  <a:cs typeface="+mn-cs"/>
-                </a:defRPr>
-              </a:lvl1pPr>
-              <a:lvl2pPr marL="457200" algn="l" defTabSz="914400" rtl="0" eaLnBrk="1" latinLnBrk="1" hangingPunct="1">
-                <a:defRPr sz="1800" kern="1200">
-                  <a:solidFill>
-                    <a:schemeClr val="lt1"/>
-                  </a:solidFill>
-                  <a:latin typeface="+mn-lt"/>
-                  <a:ea typeface="+mn-ea"/>
-                  <a:cs typeface="+mn-cs"/>
-                </a:defRPr>
-              </a:lvl2pPr>
-              <a:lvl3pPr marL="914400" algn="l" defTabSz="914400" rtl="0" eaLnBrk="1" latinLnBrk="1" hangingPunct="1">
-                <a:defRPr sz="1800" kern="1200">
-                  <a:solidFill>
-                    <a:schemeClr val="lt1"/>
-                  </a:solidFill>
-                  <a:latin typeface="+mn-lt"/>
-                  <a:ea typeface="+mn-ea"/>
-                  <a:cs typeface="+mn-cs"/>
-                </a:defRPr>
-              </a:lvl3pPr>
-              <a:lvl4pPr marL="1371600" algn="l" defTabSz="914400" rtl="0" eaLnBrk="1" latinLnBrk="1" hangingPunct="1">
-                <a:defRPr sz="1800" kern="1200">
-                  <a:solidFill>
-                    <a:schemeClr val="lt1"/>
-                  </a:solidFill>
-                  <a:latin typeface="+mn-lt"/>
-                  <a:ea typeface="+mn-ea"/>
-                  <a:cs typeface="+mn-cs"/>
-                </a:defRPr>
-              </a:lvl4pPr>
-              <a:lvl5pPr marL="1828800" algn="l" defTabSz="914400" rtl="0" eaLnBrk="1" latinLnBrk="1" hangingPunct="1">
-                <a:defRPr sz="1800" kern="1200">
-                  <a:solidFill>
-                    <a:schemeClr val="lt1"/>
-                  </a:solidFill>
-                  <a:latin typeface="+mn-lt"/>
-                  <a:ea typeface="+mn-ea"/>
-                  <a:cs typeface="+mn-cs"/>
-                </a:defRPr>
-              </a:lvl5pPr>
-              <a:lvl6pPr marL="2286000" algn="l" defTabSz="914400" rtl="0" eaLnBrk="1" latinLnBrk="1" hangingPunct="1">
-                <a:defRPr sz="1800" kern="1200">
-                  <a:solidFill>
-                    <a:schemeClr val="lt1"/>
-                  </a:solidFill>
-                  <a:latin typeface="+mn-lt"/>
-                  <a:ea typeface="+mn-ea"/>
-                  <a:cs typeface="+mn-cs"/>
-                </a:defRPr>
-              </a:lvl6pPr>
-              <a:lvl7pPr marL="2743200" algn="l" defTabSz="914400" rtl="0" eaLnBrk="1" latinLnBrk="1" hangingPunct="1">
-                <a:defRPr sz="1800" kern="1200">
-                  <a:solidFill>
-                    <a:schemeClr val="lt1"/>
-                  </a:solidFill>
-                  <a:latin typeface="+mn-lt"/>
-                  <a:ea typeface="+mn-ea"/>
-                  <a:cs typeface="+mn-cs"/>
-                </a:defRPr>
-              </a:lvl7pPr>
-              <a:lvl8pPr marL="3200400" algn="l" defTabSz="914400" rtl="0" eaLnBrk="1" latinLnBrk="1" hangingPunct="1">
-                <a:defRPr sz="1800" kern="1200">
-                  <a:solidFill>
-                    <a:schemeClr val="lt1"/>
-                  </a:solidFill>
-                  <a:latin typeface="+mn-lt"/>
-                  <a:ea typeface="+mn-ea"/>
-                  <a:cs typeface="+mn-cs"/>
-                </a:defRPr>
-              </a:lvl8pPr>
-              <a:lvl9pPr marL="3657600" algn="l" defTabSz="914400" rtl="0" eaLnBrk="1" latinLnBrk="1" hangingPunct="1">
-                <a:defRPr sz="1800" kern="1200">
-                  <a:solidFill>
-                    <a:schemeClr val="lt1"/>
-                  </a:solidFill>
-                  <a:latin typeface="+mn-lt"/>
-                  <a:ea typeface="+mn-ea"/>
-                  <a:cs typeface="+mn-cs"/>
-                </a:defRPr>
-              </a:lvl9pPr>
-            </a:lstStyle>
-            <a:p>
-              <a:pPr algn="ctr"/>
-              <a:r>
-                <a:rPr lang="ko-KR" altLang="en-US" sz="1100" dirty="0">
-                  <a:solidFill>
-                    <a:schemeClr val="tx1"/>
-                  </a:solidFill>
-                </a:rPr>
-                <a:t>강의평가 결과</a:t>
-              </a:r>
-              <a:endParaRPr lang="en-US" altLang="ko-KR" sz="1100" dirty="0">
-                <a:solidFill>
-                  <a:schemeClr val="tx1"/>
-                </a:solidFill>
-              </a:endParaRPr>
-            </a:p>
-            <a:p>
-              <a:pPr algn="ctr"/>
-              <a:r>
-                <a:rPr lang="ko-KR" altLang="en-US" sz="1100" dirty="0">
-                  <a:solidFill>
-                    <a:schemeClr val="tx1"/>
-                  </a:solidFill>
-                </a:rPr>
-                <a:t>정보 저장소</a:t>
-              </a:r>
-              <a:endParaRPr lang="en-US" altLang="ko-KR" sz="1100" dirty="0">
-                <a:solidFill>
-                  <a:schemeClr val="tx1"/>
-                </a:solidFill>
-              </a:endParaRPr>
-            </a:p>
-          </p:txBody>
-        </p:sp>
-      </p:grpSp>
       <p:cxnSp>
         <p:nvCxnSpPr>
           <p:cNvPr id="45" name="직선 화살표 연결선 44"/>
@@ -4788,6 +4535,74 @@
               <a:t>정보</a:t>
             </a:r>
             <a:endParaRPr lang="ko-KR" altLang="en-US" sz="1600" dirty="0"/>
+          </a:p>
+        </p:txBody>
+      </p:sp>
+      <p:sp>
+        <p:nvSpPr>
+          <p:cNvPr id="57" name="직사각형 56"/>
+          <p:cNvSpPr/>
+          <p:nvPr/>
+        </p:nvSpPr>
+        <p:spPr>
+          <a:xfrm>
+            <a:off x="5059936" y="6923813"/>
+            <a:ext cx="1556992" cy="726131"/>
+          </a:xfrm>
+          <a:prstGeom prst="rect">
+            <a:avLst/>
+          </a:prstGeom>
+          <a:noFill/>
+          <a:ln w="31750">
+            <a:solidFill>
+              <a:schemeClr val="accent1">
+                <a:shade val="50000"/>
+              </a:schemeClr>
+            </a:solidFill>
+          </a:ln>
+        </p:spPr>
+        <p:style>
+          <a:lnRef idx="2">
+            <a:schemeClr val="accent1">
+              <a:shade val="50000"/>
+            </a:schemeClr>
+          </a:lnRef>
+          <a:fillRef idx="1">
+            <a:schemeClr val="accent1"/>
+          </a:fillRef>
+          <a:effectRef idx="0">
+            <a:schemeClr val="accent1"/>
+          </a:effectRef>
+          <a:fontRef idx="minor">
+            <a:schemeClr val="lt1"/>
+          </a:fontRef>
+        </p:style>
+        <p:txBody>
+          <a:bodyPr rtlCol="0" anchor="ctr"/>
+          <a:lstStyle/>
+          <a:p>
+            <a:pPr algn="ctr"/>
+            <a:r>
+              <a:rPr lang="ko-KR" altLang="en-US" sz="1100" dirty="0">
+                <a:solidFill>
+                  <a:sysClr val="windowText" lastClr="000000"/>
+                </a:solidFill>
+              </a:rPr>
+              <a:t>강의평가 </a:t>
+            </a:r>
+            <a:r>
+              <a:rPr lang="ko-KR" altLang="en-US" sz="1100">
+                <a:solidFill>
+                  <a:sysClr val="windowText" lastClr="000000"/>
+                </a:solidFill>
+              </a:rPr>
+              <a:t>결과 정보 읽음</a:t>
+            </a:r>
+            <a:endParaRPr lang="ko-KR" altLang="en-US" sz="1100" dirty="0">
+              <a:solidFill>
+                <a:sysClr val="windowText" lastClr="000000"/>
+              </a:solidFill>
+            </a:endParaRPr>
           </a:p>
         </p:txBody>
       </p:sp>

--- a/SDD 관련 자료/작업 결과물/처리 모형도/강의평과 결과 조회.pptx
+++ b/SDD 관련 자료/작업 결과물/처리 모형도/강의평과 결과 조회.pptx
@@ -6,6 +6,9 @@
   </p:sldMasterIdLst>
   <p:sldIdLst>
     <p:sldId id="256" r:id="rId2"/>
+    <p:sldId id="257" r:id="rId3"/>
+    <p:sldId id="258" r:id="rId4"/>
+    <p:sldId id="259" r:id="rId5"/>
   </p:sldIdLst>
   <p:sldSz cx="12192000" cy="6858000"/>
   <p:notesSz cx="6858000" cy="9144000"/>
@@ -252,7 +255,7 @@
           <a:p>
             <a:fld id="{CF8179D7-D033-41D0-A6BF-A7F2D307D978}" type="datetimeFigureOut">
               <a:rPr lang="ko-KR" altLang="en-US" smtClean="0"/>
-              <a:t>2016-05-24</a:t>
+              <a:t>2016-05-30</a:t>
             </a:fld>
             <a:endParaRPr lang="ko-KR" altLang="en-US"/>
           </a:p>
@@ -420,7 +423,7 @@
           <a:p>
             <a:fld id="{CF8179D7-D033-41D0-A6BF-A7F2D307D978}" type="datetimeFigureOut">
               <a:rPr lang="ko-KR" altLang="en-US" smtClean="0"/>
-              <a:t>2016-05-24</a:t>
+              <a:t>2016-05-30</a:t>
             </a:fld>
             <a:endParaRPr lang="ko-KR" altLang="en-US"/>
           </a:p>
@@ -598,7 +601,7 @@
           <a:p>
             <a:fld id="{CF8179D7-D033-41D0-A6BF-A7F2D307D978}" type="datetimeFigureOut">
               <a:rPr lang="ko-KR" altLang="en-US" smtClean="0"/>
-              <a:t>2016-05-24</a:t>
+              <a:t>2016-05-30</a:t>
             </a:fld>
             <a:endParaRPr lang="ko-KR" altLang="en-US"/>
           </a:p>
@@ -766,7 +769,7 @@
           <a:p>
             <a:fld id="{CF8179D7-D033-41D0-A6BF-A7F2D307D978}" type="datetimeFigureOut">
               <a:rPr lang="ko-KR" altLang="en-US" smtClean="0"/>
-              <a:t>2016-05-24</a:t>
+              <a:t>2016-05-30</a:t>
             </a:fld>
             <a:endParaRPr lang="ko-KR" altLang="en-US"/>
           </a:p>
@@ -1011,7 +1014,7 @@
           <a:p>
             <a:fld id="{CF8179D7-D033-41D0-A6BF-A7F2D307D978}" type="datetimeFigureOut">
               <a:rPr lang="ko-KR" altLang="en-US" smtClean="0"/>
-              <a:t>2016-05-24</a:t>
+              <a:t>2016-05-30</a:t>
             </a:fld>
             <a:endParaRPr lang="ko-KR" altLang="en-US"/>
           </a:p>
@@ -1240,7 +1243,7 @@
           <a:p>
             <a:fld id="{CF8179D7-D033-41D0-A6BF-A7F2D307D978}" type="datetimeFigureOut">
               <a:rPr lang="ko-KR" altLang="en-US" smtClean="0"/>
-              <a:t>2016-05-24</a:t>
+              <a:t>2016-05-30</a:t>
             </a:fld>
             <a:endParaRPr lang="ko-KR" altLang="en-US"/>
           </a:p>
@@ -1604,7 +1607,7 @@
           <a:p>
             <a:fld id="{CF8179D7-D033-41D0-A6BF-A7F2D307D978}" type="datetimeFigureOut">
               <a:rPr lang="ko-KR" altLang="en-US" smtClean="0"/>
-              <a:t>2016-05-24</a:t>
+              <a:t>2016-05-30</a:t>
             </a:fld>
             <a:endParaRPr lang="ko-KR" altLang="en-US"/>
           </a:p>
@@ -1721,7 +1724,7 @@
           <a:p>
             <a:fld id="{CF8179D7-D033-41D0-A6BF-A7F2D307D978}" type="datetimeFigureOut">
               <a:rPr lang="ko-KR" altLang="en-US" smtClean="0"/>
-              <a:t>2016-05-24</a:t>
+              <a:t>2016-05-30</a:t>
             </a:fld>
             <a:endParaRPr lang="ko-KR" altLang="en-US"/>
           </a:p>
@@ -1816,7 +1819,7 @@
           <a:p>
             <a:fld id="{CF8179D7-D033-41D0-A6BF-A7F2D307D978}" type="datetimeFigureOut">
               <a:rPr lang="ko-KR" altLang="en-US" smtClean="0"/>
-              <a:t>2016-05-24</a:t>
+              <a:t>2016-05-30</a:t>
             </a:fld>
             <a:endParaRPr lang="ko-KR" altLang="en-US"/>
           </a:p>
@@ -2091,7 +2094,7 @@
           <a:p>
             <a:fld id="{CF8179D7-D033-41D0-A6BF-A7F2D307D978}" type="datetimeFigureOut">
               <a:rPr lang="ko-KR" altLang="en-US" smtClean="0"/>
-              <a:t>2016-05-24</a:t>
+              <a:t>2016-05-30</a:t>
             </a:fld>
             <a:endParaRPr lang="ko-KR" altLang="en-US"/>
           </a:p>
@@ -2343,7 +2346,7 @@
           <a:p>
             <a:fld id="{CF8179D7-D033-41D0-A6BF-A7F2D307D978}" type="datetimeFigureOut">
               <a:rPr lang="ko-KR" altLang="en-US" smtClean="0"/>
-              <a:t>2016-05-24</a:t>
+              <a:t>2016-05-30</a:t>
             </a:fld>
             <a:endParaRPr lang="ko-KR" altLang="en-US"/>
           </a:p>
@@ -2554,7 +2557,7 @@
           <a:p>
             <a:fld id="{CF8179D7-D033-41D0-A6BF-A7F2D307D978}" type="datetimeFigureOut">
               <a:rPr lang="ko-KR" altLang="en-US" smtClean="0"/>
-              <a:t>2016-05-24</a:t>
+              <a:t>2016-05-30</a:t>
             </a:fld>
             <a:endParaRPr lang="ko-KR" altLang="en-US"/>
           </a:p>
@@ -4619,6 +4622,1839 @@
 </p:sld>
 </file>
 
+<file path=ppt/slides/slide2.xml><?xml version="1.0" encoding="utf-8"?>
+<p:sld xmlns:a="http://schemas.openxmlformats.org/drawingml/2006/main" xmlns:r="http://schemas.openxmlformats.org/officeDocument/2006/relationships" xmlns:p="http://schemas.openxmlformats.org/presentationml/2006/main">
+  <p:cSld>
+    <p:spTree>
+      <p:nvGrpSpPr>
+        <p:cNvPr id="1" name=""/>
+        <p:cNvGrpSpPr/>
+        <p:nvPr/>
+      </p:nvGrpSpPr>
+      <p:grpSpPr>
+        <a:xfrm>
+          <a:off x="0" y="0"/>
+          <a:ext cx="0" cy="0"/>
+          <a:chOff x="0" y="0"/>
+          <a:chExt cx="0" cy="0"/>
+        </a:xfrm>
+      </p:grpSpPr>
+      <p:grpSp>
+        <p:nvGrpSpPr>
+          <p:cNvPr id="34" name="그룹 33"/>
+          <p:cNvGrpSpPr/>
+          <p:nvPr/>
+        </p:nvGrpSpPr>
+        <p:grpSpPr>
+          <a:xfrm>
+            <a:off x="1355257" y="1882520"/>
+            <a:ext cx="9572974" cy="3073669"/>
+            <a:chOff x="1355257" y="1637821"/>
+            <a:chExt cx="9572974" cy="3073669"/>
+          </a:xfrm>
+        </p:grpSpPr>
+        <p:sp>
+          <p:nvSpPr>
+            <p:cNvPr id="4" name="직사각형 3"/>
+            <p:cNvSpPr/>
+            <p:nvPr/>
+          </p:nvSpPr>
+          <p:spPr>
+            <a:xfrm>
+              <a:off x="3359370" y="3985359"/>
+              <a:ext cx="1556992" cy="726131"/>
+            </a:xfrm>
+            <a:prstGeom prst="rect">
+              <a:avLst/>
+            </a:prstGeom>
+            <a:noFill/>
+            <a:ln w="31750">
+              <a:solidFill>
+                <a:schemeClr val="accent1">
+                  <a:shade val="50000"/>
+                </a:schemeClr>
+              </a:solidFill>
+            </a:ln>
+          </p:spPr>
+          <p:style>
+            <a:lnRef idx="2">
+              <a:schemeClr val="accent1">
+                <a:shade val="50000"/>
+              </a:schemeClr>
+            </a:lnRef>
+            <a:fillRef idx="1">
+              <a:schemeClr val="accent1"/>
+            </a:fillRef>
+            <a:effectRef idx="0">
+              <a:schemeClr val="accent1"/>
+            </a:effectRef>
+            <a:fontRef idx="minor">
+              <a:schemeClr val="lt1"/>
+            </a:fontRef>
+          </p:style>
+          <p:txBody>
+            <a:bodyPr rtlCol="0" anchor="ctr"/>
+            <a:lstStyle/>
+            <a:p>
+              <a:pPr algn="ctr"/>
+              <a:r>
+                <a:rPr lang="ko-KR" altLang="en-US" sz="1100" dirty="0" smtClean="0">
+                  <a:solidFill>
+                    <a:sysClr val="windowText" lastClr="000000"/>
+                  </a:solidFill>
+                </a:rPr>
+                <a:t>강의평가 결과 평가 대상 구분 선택</a:t>
+              </a:r>
+              <a:endParaRPr lang="ko-KR" altLang="en-US" sz="1100" dirty="0">
+                <a:solidFill>
+                  <a:sysClr val="windowText" lastClr="000000"/>
+                </a:solidFill>
+              </a:endParaRPr>
+            </a:p>
+          </p:txBody>
+        </p:sp>
+        <p:sp>
+          <p:nvSpPr>
+            <p:cNvPr id="5" name="직사각형 4"/>
+            <p:cNvSpPr/>
+            <p:nvPr/>
+          </p:nvSpPr>
+          <p:spPr>
+            <a:xfrm>
+              <a:off x="5363483" y="1637821"/>
+              <a:ext cx="1556992" cy="726131"/>
+            </a:xfrm>
+            <a:prstGeom prst="rect">
+              <a:avLst/>
+            </a:prstGeom>
+            <a:noFill/>
+            <a:ln w="31750">
+              <a:solidFill>
+                <a:schemeClr val="accent1">
+                  <a:shade val="50000"/>
+                </a:schemeClr>
+              </a:solidFill>
+            </a:ln>
+          </p:spPr>
+          <p:style>
+            <a:lnRef idx="2">
+              <a:schemeClr val="accent1">
+                <a:shade val="50000"/>
+              </a:schemeClr>
+            </a:lnRef>
+            <a:fillRef idx="1">
+              <a:schemeClr val="accent1"/>
+            </a:fillRef>
+            <a:effectRef idx="0">
+              <a:schemeClr val="accent1"/>
+            </a:effectRef>
+            <a:fontRef idx="minor">
+              <a:schemeClr val="lt1"/>
+            </a:fontRef>
+          </p:style>
+          <p:txBody>
+            <a:bodyPr rtlCol="0" anchor="ctr"/>
+            <a:lstStyle/>
+            <a:p>
+              <a:pPr algn="ctr"/>
+              <a:r>
+                <a:rPr lang="ko-KR" altLang="en-US" sz="1100" dirty="0">
+                  <a:solidFill>
+                    <a:sysClr val="windowText" lastClr="000000"/>
+                  </a:solidFill>
+                </a:rPr>
+                <a:t>강의평가 결과 </a:t>
+              </a:r>
+              <a:endParaRPr lang="en-US" altLang="ko-KR" sz="1100" dirty="0" smtClean="0">
+                <a:solidFill>
+                  <a:sysClr val="windowText" lastClr="000000"/>
+                </a:solidFill>
+              </a:endParaRPr>
+            </a:p>
+            <a:p>
+              <a:pPr algn="ctr"/>
+              <a:r>
+                <a:rPr lang="ko-KR" altLang="en-US" sz="1100" dirty="0" smtClean="0">
+                  <a:solidFill>
+                    <a:sysClr val="windowText" lastClr="000000"/>
+                  </a:solidFill>
+                </a:rPr>
+                <a:t>조회 </a:t>
+              </a:r>
+              <a:r>
+                <a:rPr lang="ko-KR" altLang="en-US" sz="1100" dirty="0" smtClean="0">
+                  <a:solidFill>
+                    <a:sysClr val="windowText" lastClr="000000"/>
+                  </a:solidFill>
+                </a:rPr>
+                <a:t>정보 입력</a:t>
+              </a:r>
+              <a:endParaRPr lang="ko-KR" altLang="en-US" sz="1100" dirty="0">
+                <a:solidFill>
+                  <a:sysClr val="windowText" lastClr="000000"/>
+                </a:solidFill>
+              </a:endParaRPr>
+            </a:p>
+          </p:txBody>
+        </p:sp>
+        <p:sp>
+          <p:nvSpPr>
+            <p:cNvPr id="6" name="직사각형 5"/>
+            <p:cNvSpPr/>
+            <p:nvPr/>
+          </p:nvSpPr>
+          <p:spPr>
+            <a:xfrm>
+              <a:off x="1355257" y="3985359"/>
+              <a:ext cx="1556992" cy="726131"/>
+            </a:xfrm>
+            <a:prstGeom prst="rect">
+              <a:avLst/>
+            </a:prstGeom>
+            <a:noFill/>
+            <a:ln w="31750">
+              <a:solidFill>
+                <a:schemeClr val="accent1">
+                  <a:shade val="50000"/>
+                </a:schemeClr>
+              </a:solidFill>
+            </a:ln>
+          </p:spPr>
+          <p:style>
+            <a:lnRef idx="2">
+              <a:schemeClr val="accent1">
+                <a:shade val="50000"/>
+              </a:schemeClr>
+            </a:lnRef>
+            <a:fillRef idx="1">
+              <a:schemeClr val="accent1"/>
+            </a:fillRef>
+            <a:effectRef idx="0">
+              <a:schemeClr val="accent1"/>
+            </a:effectRef>
+            <a:fontRef idx="minor">
+              <a:schemeClr val="lt1"/>
+            </a:fontRef>
+          </p:style>
+          <p:txBody>
+            <a:bodyPr rtlCol="0" anchor="ctr"/>
+            <a:lstStyle/>
+            <a:p>
+              <a:pPr algn="ctr"/>
+              <a:r>
+                <a:rPr lang="ko-KR" altLang="en-US" sz="1100" dirty="0" smtClean="0">
+                  <a:solidFill>
+                    <a:schemeClr val="tx1"/>
+                  </a:solidFill>
+                </a:rPr>
+                <a:t>강의평가 결과 코드 입력</a:t>
+              </a:r>
+              <a:endParaRPr lang="ko-KR" altLang="en-US" sz="1100" dirty="0">
+                <a:solidFill>
+                  <a:schemeClr val="tx1"/>
+                </a:solidFill>
+              </a:endParaRPr>
+            </a:p>
+          </p:txBody>
+        </p:sp>
+        <p:cxnSp>
+          <p:nvCxnSpPr>
+            <p:cNvPr id="11" name="직선 화살표 연결선 10"/>
+            <p:cNvCxnSpPr>
+              <a:stCxn id="5" idx="2"/>
+              <a:endCxn id="6" idx="0"/>
+            </p:cNvCxnSpPr>
+            <p:nvPr/>
+          </p:nvCxnSpPr>
+          <p:spPr>
+            <a:xfrm flipH="1">
+              <a:off x="2133753" y="2363952"/>
+              <a:ext cx="4008226" cy="1621407"/>
+            </a:xfrm>
+            <a:prstGeom prst="straightConnector1">
+              <a:avLst/>
+            </a:prstGeom>
+            <a:ln w="38100">
+              <a:headEnd w="lg" len="lg"/>
+              <a:tailEnd type="triangle"/>
+            </a:ln>
+          </p:spPr>
+          <p:style>
+            <a:lnRef idx="1">
+              <a:schemeClr val="accent1"/>
+            </a:lnRef>
+            <a:fillRef idx="0">
+              <a:schemeClr val="accent1"/>
+            </a:fillRef>
+            <a:effectRef idx="0">
+              <a:schemeClr val="accent1"/>
+            </a:effectRef>
+            <a:fontRef idx="minor">
+              <a:schemeClr val="tx1"/>
+            </a:fontRef>
+          </p:style>
+        </p:cxnSp>
+        <p:cxnSp>
+          <p:nvCxnSpPr>
+            <p:cNvPr id="12" name="직선 화살표 연결선 11"/>
+            <p:cNvCxnSpPr>
+              <a:stCxn id="5" idx="2"/>
+              <a:endCxn id="4" idx="0"/>
+            </p:cNvCxnSpPr>
+            <p:nvPr/>
+          </p:nvCxnSpPr>
+          <p:spPr>
+            <a:xfrm flipH="1">
+              <a:off x="4137866" y="2363952"/>
+              <a:ext cx="2004113" cy="1621407"/>
+            </a:xfrm>
+            <a:prstGeom prst="straightConnector1">
+              <a:avLst/>
+            </a:prstGeom>
+            <a:ln w="38100">
+              <a:headEnd w="lg" len="lg"/>
+              <a:tailEnd type="triangle"/>
+            </a:ln>
+          </p:spPr>
+          <p:style>
+            <a:lnRef idx="1">
+              <a:schemeClr val="accent1"/>
+            </a:lnRef>
+            <a:fillRef idx="0">
+              <a:schemeClr val="accent1"/>
+            </a:fillRef>
+            <a:effectRef idx="0">
+              <a:schemeClr val="accent1"/>
+            </a:effectRef>
+            <a:fontRef idx="minor">
+              <a:schemeClr val="tx1"/>
+            </a:fontRef>
+          </p:style>
+        </p:cxnSp>
+        <p:sp>
+          <p:nvSpPr>
+            <p:cNvPr id="18" name="직사각형 17"/>
+            <p:cNvSpPr/>
+            <p:nvPr/>
+          </p:nvSpPr>
+          <p:spPr>
+            <a:xfrm>
+              <a:off x="5363483" y="3985358"/>
+              <a:ext cx="1556992" cy="726131"/>
+            </a:xfrm>
+            <a:prstGeom prst="rect">
+              <a:avLst/>
+            </a:prstGeom>
+            <a:noFill/>
+            <a:ln w="31750">
+              <a:solidFill>
+                <a:schemeClr val="accent1">
+                  <a:shade val="50000"/>
+                </a:schemeClr>
+              </a:solidFill>
+            </a:ln>
+          </p:spPr>
+          <p:style>
+            <a:lnRef idx="2">
+              <a:schemeClr val="accent1">
+                <a:shade val="50000"/>
+              </a:schemeClr>
+            </a:lnRef>
+            <a:fillRef idx="1">
+              <a:schemeClr val="accent1"/>
+            </a:fillRef>
+            <a:effectRef idx="0">
+              <a:schemeClr val="accent1"/>
+            </a:effectRef>
+            <a:fontRef idx="minor">
+              <a:schemeClr val="lt1"/>
+            </a:fontRef>
+          </p:style>
+          <p:txBody>
+            <a:bodyPr rtlCol="0" anchor="ctr"/>
+            <a:lstStyle/>
+            <a:p>
+              <a:pPr algn="ctr"/>
+              <a:r>
+                <a:rPr lang="ko-KR" altLang="en-US" sz="1100" dirty="0" smtClean="0">
+                  <a:solidFill>
+                    <a:sysClr val="windowText" lastClr="000000"/>
+                  </a:solidFill>
+                </a:rPr>
+                <a:t>강의평가 결과 유효 기간 입력</a:t>
+              </a:r>
+              <a:endParaRPr lang="ko-KR" altLang="en-US" sz="1100" dirty="0">
+                <a:solidFill>
+                  <a:sysClr val="windowText" lastClr="000000"/>
+                </a:solidFill>
+              </a:endParaRPr>
+            </a:p>
+          </p:txBody>
+        </p:sp>
+        <p:sp>
+          <p:nvSpPr>
+            <p:cNvPr id="19" name="직사각형 18"/>
+            <p:cNvSpPr/>
+            <p:nvPr/>
+          </p:nvSpPr>
+          <p:spPr>
+            <a:xfrm>
+              <a:off x="7367596" y="3985357"/>
+              <a:ext cx="1556992" cy="726131"/>
+            </a:xfrm>
+            <a:prstGeom prst="rect">
+              <a:avLst/>
+            </a:prstGeom>
+            <a:noFill/>
+            <a:ln w="31750">
+              <a:solidFill>
+                <a:schemeClr val="accent1">
+                  <a:shade val="50000"/>
+                </a:schemeClr>
+              </a:solidFill>
+            </a:ln>
+          </p:spPr>
+          <p:style>
+            <a:lnRef idx="2">
+              <a:schemeClr val="accent1">
+                <a:shade val="50000"/>
+              </a:schemeClr>
+            </a:lnRef>
+            <a:fillRef idx="1">
+              <a:schemeClr val="accent1"/>
+            </a:fillRef>
+            <a:effectRef idx="0">
+              <a:schemeClr val="accent1"/>
+            </a:effectRef>
+            <a:fontRef idx="minor">
+              <a:schemeClr val="lt1"/>
+            </a:fontRef>
+          </p:style>
+          <p:txBody>
+            <a:bodyPr rtlCol="0" anchor="ctr"/>
+            <a:lstStyle/>
+            <a:p>
+              <a:pPr algn="ctr"/>
+              <a:r>
+                <a:rPr lang="ko-KR" altLang="en-US" sz="1100" dirty="0" smtClean="0">
+                  <a:solidFill>
+                    <a:sysClr val="windowText" lastClr="000000"/>
+                  </a:solidFill>
+                </a:rPr>
+                <a:t>강의평가 결과 질문 정보 입력</a:t>
+              </a:r>
+              <a:endParaRPr lang="ko-KR" altLang="en-US" sz="1100" dirty="0">
+                <a:solidFill>
+                  <a:sysClr val="windowText" lastClr="000000"/>
+                </a:solidFill>
+              </a:endParaRPr>
+            </a:p>
+          </p:txBody>
+        </p:sp>
+        <p:sp>
+          <p:nvSpPr>
+            <p:cNvPr id="20" name="직사각형 19"/>
+            <p:cNvSpPr/>
+            <p:nvPr/>
+          </p:nvSpPr>
+          <p:spPr>
+            <a:xfrm>
+              <a:off x="9371239" y="3985356"/>
+              <a:ext cx="1556992" cy="726131"/>
+            </a:xfrm>
+            <a:prstGeom prst="rect">
+              <a:avLst/>
+            </a:prstGeom>
+            <a:noFill/>
+            <a:ln w="31750">
+              <a:solidFill>
+                <a:schemeClr val="accent1">
+                  <a:shade val="50000"/>
+                </a:schemeClr>
+              </a:solidFill>
+            </a:ln>
+          </p:spPr>
+          <p:style>
+            <a:lnRef idx="2">
+              <a:schemeClr val="accent1">
+                <a:shade val="50000"/>
+              </a:schemeClr>
+            </a:lnRef>
+            <a:fillRef idx="1">
+              <a:schemeClr val="accent1"/>
+            </a:fillRef>
+            <a:effectRef idx="0">
+              <a:schemeClr val="accent1"/>
+            </a:effectRef>
+            <a:fontRef idx="minor">
+              <a:schemeClr val="lt1"/>
+            </a:fontRef>
+          </p:style>
+          <p:txBody>
+            <a:bodyPr rtlCol="0" anchor="ctr"/>
+            <a:lstStyle/>
+            <a:p>
+              <a:pPr algn="ctr"/>
+              <a:r>
+                <a:rPr lang="ko-KR" altLang="en-US" sz="1100" dirty="0" smtClean="0">
+                  <a:solidFill>
+                    <a:sysClr val="windowText" lastClr="000000"/>
+                  </a:solidFill>
+                </a:rPr>
+                <a:t>강의평가 결과 답안 정보 선택</a:t>
+              </a:r>
+              <a:endParaRPr lang="ko-KR" altLang="en-US" sz="1100" dirty="0">
+                <a:solidFill>
+                  <a:sysClr val="windowText" lastClr="000000"/>
+                </a:solidFill>
+              </a:endParaRPr>
+            </a:p>
+          </p:txBody>
+        </p:sp>
+        <p:cxnSp>
+          <p:nvCxnSpPr>
+            <p:cNvPr id="24" name="직선 화살표 연결선 23"/>
+            <p:cNvCxnSpPr>
+              <a:stCxn id="5" idx="2"/>
+              <a:endCxn id="18" idx="0"/>
+            </p:cNvCxnSpPr>
+            <p:nvPr/>
+          </p:nvCxnSpPr>
+          <p:spPr>
+            <a:xfrm>
+              <a:off x="6141979" y="2363952"/>
+              <a:ext cx="0" cy="1621406"/>
+            </a:xfrm>
+            <a:prstGeom prst="straightConnector1">
+              <a:avLst/>
+            </a:prstGeom>
+            <a:ln w="38100">
+              <a:tailEnd type="triangle"/>
+            </a:ln>
+          </p:spPr>
+          <p:style>
+            <a:lnRef idx="1">
+              <a:schemeClr val="accent1"/>
+            </a:lnRef>
+            <a:fillRef idx="0">
+              <a:schemeClr val="accent1"/>
+            </a:fillRef>
+            <a:effectRef idx="0">
+              <a:schemeClr val="accent1"/>
+            </a:effectRef>
+            <a:fontRef idx="minor">
+              <a:schemeClr val="tx1"/>
+            </a:fontRef>
+          </p:style>
+        </p:cxnSp>
+        <p:cxnSp>
+          <p:nvCxnSpPr>
+            <p:cNvPr id="26" name="직선 화살표 연결선 25"/>
+            <p:cNvCxnSpPr>
+              <a:stCxn id="5" idx="2"/>
+              <a:endCxn id="19" idx="0"/>
+            </p:cNvCxnSpPr>
+            <p:nvPr/>
+          </p:nvCxnSpPr>
+          <p:spPr>
+            <a:xfrm>
+              <a:off x="6141979" y="2363952"/>
+              <a:ext cx="2004113" cy="1621405"/>
+            </a:xfrm>
+            <a:prstGeom prst="straightConnector1">
+              <a:avLst/>
+            </a:prstGeom>
+            <a:ln w="38100">
+              <a:tailEnd type="triangle"/>
+            </a:ln>
+          </p:spPr>
+          <p:style>
+            <a:lnRef idx="1">
+              <a:schemeClr val="accent1"/>
+            </a:lnRef>
+            <a:fillRef idx="0">
+              <a:schemeClr val="accent1"/>
+            </a:fillRef>
+            <a:effectRef idx="0">
+              <a:schemeClr val="accent1"/>
+            </a:effectRef>
+            <a:fontRef idx="minor">
+              <a:schemeClr val="tx1"/>
+            </a:fontRef>
+          </p:style>
+        </p:cxnSp>
+        <p:cxnSp>
+          <p:nvCxnSpPr>
+            <p:cNvPr id="28" name="직선 화살표 연결선 27"/>
+            <p:cNvCxnSpPr>
+              <a:stCxn id="5" idx="2"/>
+              <a:endCxn id="20" idx="0"/>
+            </p:cNvCxnSpPr>
+            <p:nvPr/>
+          </p:nvCxnSpPr>
+          <p:spPr>
+            <a:xfrm>
+              <a:off x="6141979" y="2363952"/>
+              <a:ext cx="4007756" cy="1621404"/>
+            </a:xfrm>
+            <a:prstGeom prst="straightConnector1">
+              <a:avLst/>
+            </a:prstGeom>
+            <a:ln w="38100">
+              <a:tailEnd type="triangle"/>
+            </a:ln>
+          </p:spPr>
+          <p:style>
+            <a:lnRef idx="1">
+              <a:schemeClr val="accent1"/>
+            </a:lnRef>
+            <a:fillRef idx="0">
+              <a:schemeClr val="accent1"/>
+            </a:fillRef>
+            <a:effectRef idx="0">
+              <a:schemeClr val="accent1"/>
+            </a:effectRef>
+            <a:fontRef idx="minor">
+              <a:schemeClr val="tx1"/>
+            </a:fontRef>
+          </p:style>
+        </p:cxnSp>
+      </p:grpSp>
+    </p:spTree>
+    <p:extLst>
+      <p:ext uri="{BB962C8B-B14F-4D97-AF65-F5344CB8AC3E}">
+        <p14:creationId xmlns:p14="http://schemas.microsoft.com/office/powerpoint/2010/main" val="893250098"/>
+      </p:ext>
+    </p:extLst>
+  </p:cSld>
+  <p:clrMapOvr>
+    <a:masterClrMapping/>
+  </p:clrMapOvr>
+</p:sld>
+</file>
+
+<file path=ppt/slides/slide3.xml><?xml version="1.0" encoding="utf-8"?>
+<p:sld xmlns:a="http://schemas.openxmlformats.org/drawingml/2006/main" xmlns:r="http://schemas.openxmlformats.org/officeDocument/2006/relationships" xmlns:p="http://schemas.openxmlformats.org/presentationml/2006/main">
+  <p:cSld>
+    <p:spTree>
+      <p:nvGrpSpPr>
+        <p:cNvPr id="1" name=""/>
+        <p:cNvGrpSpPr/>
+        <p:nvPr/>
+      </p:nvGrpSpPr>
+      <p:grpSpPr>
+        <a:xfrm>
+          <a:off x="0" y="0"/>
+          <a:ext cx="0" cy="0"/>
+          <a:chOff x="0" y="0"/>
+          <a:chExt cx="0" cy="0"/>
+        </a:xfrm>
+      </p:grpSpPr>
+      <p:grpSp>
+        <p:nvGrpSpPr>
+          <p:cNvPr id="4" name="그룹 3"/>
+          <p:cNvGrpSpPr/>
+          <p:nvPr/>
+        </p:nvGrpSpPr>
+        <p:grpSpPr>
+          <a:xfrm>
+            <a:off x="1355257" y="1882520"/>
+            <a:ext cx="9572974" cy="3073669"/>
+            <a:chOff x="1355257" y="1637821"/>
+            <a:chExt cx="9572974" cy="3073669"/>
+          </a:xfrm>
+        </p:grpSpPr>
+        <p:sp>
+          <p:nvSpPr>
+            <p:cNvPr id="5" name="직사각형 4"/>
+            <p:cNvSpPr/>
+            <p:nvPr/>
+          </p:nvSpPr>
+          <p:spPr>
+            <a:xfrm>
+              <a:off x="3359370" y="3985359"/>
+              <a:ext cx="1556992" cy="726131"/>
+            </a:xfrm>
+            <a:prstGeom prst="rect">
+              <a:avLst/>
+            </a:prstGeom>
+            <a:noFill/>
+            <a:ln w="31750">
+              <a:solidFill>
+                <a:schemeClr val="accent1">
+                  <a:shade val="50000"/>
+                </a:schemeClr>
+              </a:solidFill>
+            </a:ln>
+          </p:spPr>
+          <p:style>
+            <a:lnRef idx="2">
+              <a:schemeClr val="accent1">
+                <a:shade val="50000"/>
+              </a:schemeClr>
+            </a:lnRef>
+            <a:fillRef idx="1">
+              <a:schemeClr val="accent1"/>
+            </a:fillRef>
+            <a:effectRef idx="0">
+              <a:schemeClr val="accent1"/>
+            </a:effectRef>
+            <a:fontRef idx="minor">
+              <a:schemeClr val="lt1"/>
+            </a:fontRef>
+          </p:style>
+          <p:txBody>
+            <a:bodyPr rtlCol="0" anchor="ctr"/>
+            <a:lstStyle/>
+            <a:p>
+              <a:pPr algn="ctr"/>
+              <a:r>
+                <a:rPr lang="ko-KR" altLang="en-US" sz="1100" dirty="0" smtClean="0">
+                  <a:solidFill>
+                    <a:sysClr val="windowText" lastClr="000000"/>
+                  </a:solidFill>
+                </a:rPr>
+                <a:t>강의평가 결과 평가 대상 구분 확인</a:t>
+              </a:r>
+              <a:endParaRPr lang="ko-KR" altLang="en-US" sz="1100" dirty="0">
+                <a:solidFill>
+                  <a:sysClr val="windowText" lastClr="000000"/>
+                </a:solidFill>
+              </a:endParaRPr>
+            </a:p>
+          </p:txBody>
+        </p:sp>
+        <p:sp>
+          <p:nvSpPr>
+            <p:cNvPr id="6" name="직사각형 5"/>
+            <p:cNvSpPr/>
+            <p:nvPr/>
+          </p:nvSpPr>
+          <p:spPr>
+            <a:xfrm>
+              <a:off x="5363483" y="1637821"/>
+              <a:ext cx="1556992" cy="726131"/>
+            </a:xfrm>
+            <a:prstGeom prst="rect">
+              <a:avLst/>
+            </a:prstGeom>
+            <a:noFill/>
+            <a:ln w="31750">
+              <a:solidFill>
+                <a:schemeClr val="accent1">
+                  <a:shade val="50000"/>
+                </a:schemeClr>
+              </a:solidFill>
+            </a:ln>
+          </p:spPr>
+          <p:style>
+            <a:lnRef idx="2">
+              <a:schemeClr val="accent1">
+                <a:shade val="50000"/>
+              </a:schemeClr>
+            </a:lnRef>
+            <a:fillRef idx="1">
+              <a:schemeClr val="accent1"/>
+            </a:fillRef>
+            <a:effectRef idx="0">
+              <a:schemeClr val="accent1"/>
+            </a:effectRef>
+            <a:fontRef idx="minor">
+              <a:schemeClr val="lt1"/>
+            </a:fontRef>
+          </p:style>
+          <p:txBody>
+            <a:bodyPr rtlCol="0" anchor="ctr"/>
+            <a:lstStyle/>
+            <a:p>
+              <a:pPr algn="ctr"/>
+              <a:r>
+                <a:rPr lang="ko-KR" altLang="en-US" sz="1100" dirty="0">
+                  <a:solidFill>
+                    <a:sysClr val="windowText" lastClr="000000"/>
+                  </a:solidFill>
+                </a:rPr>
+                <a:t>강의평가 결과 </a:t>
+              </a:r>
+              <a:endParaRPr lang="en-US" altLang="ko-KR" sz="1100" dirty="0" smtClean="0">
+                <a:solidFill>
+                  <a:sysClr val="windowText" lastClr="000000"/>
+                </a:solidFill>
+              </a:endParaRPr>
+            </a:p>
+            <a:p>
+              <a:pPr algn="ctr"/>
+              <a:r>
+                <a:rPr lang="ko-KR" altLang="en-US" sz="1100" dirty="0" smtClean="0">
+                  <a:solidFill>
+                    <a:sysClr val="windowText" lastClr="000000"/>
+                  </a:solidFill>
+                </a:rPr>
+                <a:t>조회 </a:t>
+              </a:r>
+              <a:r>
+                <a:rPr lang="ko-KR" altLang="en-US" sz="1100" dirty="0" smtClean="0">
+                  <a:solidFill>
+                    <a:sysClr val="windowText" lastClr="000000"/>
+                  </a:solidFill>
+                </a:rPr>
+                <a:t>정보 처리</a:t>
+              </a:r>
+              <a:endParaRPr lang="ko-KR" altLang="en-US" sz="1100" dirty="0">
+                <a:solidFill>
+                  <a:sysClr val="windowText" lastClr="000000"/>
+                </a:solidFill>
+              </a:endParaRPr>
+            </a:p>
+          </p:txBody>
+        </p:sp>
+        <p:sp>
+          <p:nvSpPr>
+            <p:cNvPr id="7" name="직사각형 6"/>
+            <p:cNvSpPr/>
+            <p:nvPr/>
+          </p:nvSpPr>
+          <p:spPr>
+            <a:xfrm>
+              <a:off x="1355257" y="3985359"/>
+              <a:ext cx="1556992" cy="726131"/>
+            </a:xfrm>
+            <a:prstGeom prst="rect">
+              <a:avLst/>
+            </a:prstGeom>
+            <a:noFill/>
+            <a:ln w="31750">
+              <a:solidFill>
+                <a:schemeClr val="accent1">
+                  <a:shade val="50000"/>
+                </a:schemeClr>
+              </a:solidFill>
+            </a:ln>
+          </p:spPr>
+          <p:style>
+            <a:lnRef idx="2">
+              <a:schemeClr val="accent1">
+                <a:shade val="50000"/>
+              </a:schemeClr>
+            </a:lnRef>
+            <a:fillRef idx="1">
+              <a:schemeClr val="accent1"/>
+            </a:fillRef>
+            <a:effectRef idx="0">
+              <a:schemeClr val="accent1"/>
+            </a:effectRef>
+            <a:fontRef idx="minor">
+              <a:schemeClr val="lt1"/>
+            </a:fontRef>
+          </p:style>
+          <p:txBody>
+            <a:bodyPr rtlCol="0" anchor="ctr"/>
+            <a:lstStyle/>
+            <a:p>
+              <a:pPr algn="ctr"/>
+              <a:r>
+                <a:rPr lang="ko-KR" altLang="en-US" sz="1100" dirty="0" smtClean="0">
+                  <a:solidFill>
+                    <a:schemeClr val="tx1"/>
+                  </a:solidFill>
+                </a:rPr>
+                <a:t>강의평가 결과 코드 확인</a:t>
+              </a:r>
+              <a:endParaRPr lang="ko-KR" altLang="en-US" sz="1100" dirty="0">
+                <a:solidFill>
+                  <a:schemeClr val="tx1"/>
+                </a:solidFill>
+              </a:endParaRPr>
+            </a:p>
+          </p:txBody>
+        </p:sp>
+        <p:cxnSp>
+          <p:nvCxnSpPr>
+            <p:cNvPr id="8" name="직선 화살표 연결선 7"/>
+            <p:cNvCxnSpPr>
+              <a:stCxn id="6" idx="2"/>
+              <a:endCxn id="7" idx="0"/>
+            </p:cNvCxnSpPr>
+            <p:nvPr/>
+          </p:nvCxnSpPr>
+          <p:spPr>
+            <a:xfrm flipH="1">
+              <a:off x="2133753" y="2363952"/>
+              <a:ext cx="4008226" cy="1621407"/>
+            </a:xfrm>
+            <a:prstGeom prst="straightConnector1">
+              <a:avLst/>
+            </a:prstGeom>
+            <a:ln w="38100">
+              <a:headEnd w="lg" len="lg"/>
+              <a:tailEnd type="triangle"/>
+            </a:ln>
+          </p:spPr>
+          <p:style>
+            <a:lnRef idx="1">
+              <a:schemeClr val="accent1"/>
+            </a:lnRef>
+            <a:fillRef idx="0">
+              <a:schemeClr val="accent1"/>
+            </a:fillRef>
+            <a:effectRef idx="0">
+              <a:schemeClr val="accent1"/>
+            </a:effectRef>
+            <a:fontRef idx="minor">
+              <a:schemeClr val="tx1"/>
+            </a:fontRef>
+          </p:style>
+        </p:cxnSp>
+        <p:cxnSp>
+          <p:nvCxnSpPr>
+            <p:cNvPr id="9" name="직선 화살표 연결선 8"/>
+            <p:cNvCxnSpPr>
+              <a:stCxn id="6" idx="2"/>
+              <a:endCxn id="5" idx="0"/>
+            </p:cNvCxnSpPr>
+            <p:nvPr/>
+          </p:nvCxnSpPr>
+          <p:spPr>
+            <a:xfrm flipH="1">
+              <a:off x="4137866" y="2363952"/>
+              <a:ext cx="2004113" cy="1621407"/>
+            </a:xfrm>
+            <a:prstGeom prst="straightConnector1">
+              <a:avLst/>
+            </a:prstGeom>
+            <a:ln w="38100">
+              <a:headEnd w="lg" len="lg"/>
+              <a:tailEnd type="triangle"/>
+            </a:ln>
+          </p:spPr>
+          <p:style>
+            <a:lnRef idx="1">
+              <a:schemeClr val="accent1"/>
+            </a:lnRef>
+            <a:fillRef idx="0">
+              <a:schemeClr val="accent1"/>
+            </a:fillRef>
+            <a:effectRef idx="0">
+              <a:schemeClr val="accent1"/>
+            </a:effectRef>
+            <a:fontRef idx="minor">
+              <a:schemeClr val="tx1"/>
+            </a:fontRef>
+          </p:style>
+        </p:cxnSp>
+        <p:sp>
+          <p:nvSpPr>
+            <p:cNvPr id="10" name="직사각형 9"/>
+            <p:cNvSpPr/>
+            <p:nvPr/>
+          </p:nvSpPr>
+          <p:spPr>
+            <a:xfrm>
+              <a:off x="5363483" y="3985358"/>
+              <a:ext cx="1556992" cy="726131"/>
+            </a:xfrm>
+            <a:prstGeom prst="rect">
+              <a:avLst/>
+            </a:prstGeom>
+            <a:noFill/>
+            <a:ln w="31750">
+              <a:solidFill>
+                <a:schemeClr val="accent1">
+                  <a:shade val="50000"/>
+                </a:schemeClr>
+              </a:solidFill>
+            </a:ln>
+          </p:spPr>
+          <p:style>
+            <a:lnRef idx="2">
+              <a:schemeClr val="accent1">
+                <a:shade val="50000"/>
+              </a:schemeClr>
+            </a:lnRef>
+            <a:fillRef idx="1">
+              <a:schemeClr val="accent1"/>
+            </a:fillRef>
+            <a:effectRef idx="0">
+              <a:schemeClr val="accent1"/>
+            </a:effectRef>
+            <a:fontRef idx="minor">
+              <a:schemeClr val="lt1"/>
+            </a:fontRef>
+          </p:style>
+          <p:txBody>
+            <a:bodyPr rtlCol="0" anchor="ctr"/>
+            <a:lstStyle/>
+            <a:p>
+              <a:pPr algn="ctr"/>
+              <a:r>
+                <a:rPr lang="ko-KR" altLang="en-US" sz="1100" dirty="0" smtClean="0">
+                  <a:solidFill>
+                    <a:sysClr val="windowText" lastClr="000000"/>
+                  </a:solidFill>
+                </a:rPr>
+                <a:t>강의평가 결과 유효 기간 확인</a:t>
+              </a:r>
+              <a:endParaRPr lang="ko-KR" altLang="en-US" sz="1100" dirty="0">
+                <a:solidFill>
+                  <a:sysClr val="windowText" lastClr="000000"/>
+                </a:solidFill>
+              </a:endParaRPr>
+            </a:p>
+          </p:txBody>
+        </p:sp>
+        <p:sp>
+          <p:nvSpPr>
+            <p:cNvPr id="11" name="직사각형 10"/>
+            <p:cNvSpPr/>
+            <p:nvPr/>
+          </p:nvSpPr>
+          <p:spPr>
+            <a:xfrm>
+              <a:off x="7367596" y="3985357"/>
+              <a:ext cx="1556992" cy="726131"/>
+            </a:xfrm>
+            <a:prstGeom prst="rect">
+              <a:avLst/>
+            </a:prstGeom>
+            <a:noFill/>
+            <a:ln w="31750">
+              <a:solidFill>
+                <a:schemeClr val="accent1">
+                  <a:shade val="50000"/>
+                </a:schemeClr>
+              </a:solidFill>
+            </a:ln>
+          </p:spPr>
+          <p:style>
+            <a:lnRef idx="2">
+              <a:schemeClr val="accent1">
+                <a:shade val="50000"/>
+              </a:schemeClr>
+            </a:lnRef>
+            <a:fillRef idx="1">
+              <a:schemeClr val="accent1"/>
+            </a:fillRef>
+            <a:effectRef idx="0">
+              <a:schemeClr val="accent1"/>
+            </a:effectRef>
+            <a:fontRef idx="minor">
+              <a:schemeClr val="lt1"/>
+            </a:fontRef>
+          </p:style>
+          <p:txBody>
+            <a:bodyPr rtlCol="0" anchor="ctr"/>
+            <a:lstStyle/>
+            <a:p>
+              <a:pPr algn="ctr"/>
+              <a:r>
+                <a:rPr lang="ko-KR" altLang="en-US" sz="1100" dirty="0" smtClean="0">
+                  <a:solidFill>
+                    <a:sysClr val="windowText" lastClr="000000"/>
+                  </a:solidFill>
+                </a:rPr>
+                <a:t>강의평가 결과 질문 정보 확인</a:t>
+              </a:r>
+              <a:endParaRPr lang="ko-KR" altLang="en-US" sz="1100" dirty="0">
+                <a:solidFill>
+                  <a:sysClr val="windowText" lastClr="000000"/>
+                </a:solidFill>
+              </a:endParaRPr>
+            </a:p>
+          </p:txBody>
+        </p:sp>
+        <p:sp>
+          <p:nvSpPr>
+            <p:cNvPr id="12" name="직사각형 11"/>
+            <p:cNvSpPr/>
+            <p:nvPr/>
+          </p:nvSpPr>
+          <p:spPr>
+            <a:xfrm>
+              <a:off x="9371239" y="3985356"/>
+              <a:ext cx="1556992" cy="726131"/>
+            </a:xfrm>
+            <a:prstGeom prst="rect">
+              <a:avLst/>
+            </a:prstGeom>
+            <a:noFill/>
+            <a:ln w="31750">
+              <a:solidFill>
+                <a:schemeClr val="accent1">
+                  <a:shade val="50000"/>
+                </a:schemeClr>
+              </a:solidFill>
+            </a:ln>
+          </p:spPr>
+          <p:style>
+            <a:lnRef idx="2">
+              <a:schemeClr val="accent1">
+                <a:shade val="50000"/>
+              </a:schemeClr>
+            </a:lnRef>
+            <a:fillRef idx="1">
+              <a:schemeClr val="accent1"/>
+            </a:fillRef>
+            <a:effectRef idx="0">
+              <a:schemeClr val="accent1"/>
+            </a:effectRef>
+            <a:fontRef idx="minor">
+              <a:schemeClr val="lt1"/>
+            </a:fontRef>
+          </p:style>
+          <p:txBody>
+            <a:bodyPr rtlCol="0" anchor="ctr"/>
+            <a:lstStyle/>
+            <a:p>
+              <a:pPr algn="ctr"/>
+              <a:r>
+                <a:rPr lang="ko-KR" altLang="en-US" sz="1100" dirty="0" smtClean="0">
+                  <a:solidFill>
+                    <a:sysClr val="windowText" lastClr="000000"/>
+                  </a:solidFill>
+                </a:rPr>
+                <a:t>강의평가 결과 답안 정보 확인</a:t>
+              </a:r>
+              <a:endParaRPr lang="ko-KR" altLang="en-US" sz="1100" dirty="0">
+                <a:solidFill>
+                  <a:sysClr val="windowText" lastClr="000000"/>
+                </a:solidFill>
+              </a:endParaRPr>
+            </a:p>
+          </p:txBody>
+        </p:sp>
+        <p:cxnSp>
+          <p:nvCxnSpPr>
+            <p:cNvPr id="13" name="직선 화살표 연결선 12"/>
+            <p:cNvCxnSpPr>
+              <a:stCxn id="6" idx="2"/>
+              <a:endCxn id="10" idx="0"/>
+            </p:cNvCxnSpPr>
+            <p:nvPr/>
+          </p:nvCxnSpPr>
+          <p:spPr>
+            <a:xfrm>
+              <a:off x="6141979" y="2363952"/>
+              <a:ext cx="0" cy="1621406"/>
+            </a:xfrm>
+            <a:prstGeom prst="straightConnector1">
+              <a:avLst/>
+            </a:prstGeom>
+            <a:ln w="38100">
+              <a:tailEnd type="triangle"/>
+            </a:ln>
+          </p:spPr>
+          <p:style>
+            <a:lnRef idx="1">
+              <a:schemeClr val="accent1"/>
+            </a:lnRef>
+            <a:fillRef idx="0">
+              <a:schemeClr val="accent1"/>
+            </a:fillRef>
+            <a:effectRef idx="0">
+              <a:schemeClr val="accent1"/>
+            </a:effectRef>
+            <a:fontRef idx="minor">
+              <a:schemeClr val="tx1"/>
+            </a:fontRef>
+          </p:style>
+        </p:cxnSp>
+        <p:cxnSp>
+          <p:nvCxnSpPr>
+            <p:cNvPr id="14" name="직선 화살표 연결선 13"/>
+            <p:cNvCxnSpPr>
+              <a:stCxn id="6" idx="2"/>
+              <a:endCxn id="11" idx="0"/>
+            </p:cNvCxnSpPr>
+            <p:nvPr/>
+          </p:nvCxnSpPr>
+          <p:spPr>
+            <a:xfrm>
+              <a:off x="6141979" y="2363952"/>
+              <a:ext cx="2004113" cy="1621405"/>
+            </a:xfrm>
+            <a:prstGeom prst="straightConnector1">
+              <a:avLst/>
+            </a:prstGeom>
+            <a:ln w="38100">
+              <a:tailEnd type="triangle"/>
+            </a:ln>
+          </p:spPr>
+          <p:style>
+            <a:lnRef idx="1">
+              <a:schemeClr val="accent1"/>
+            </a:lnRef>
+            <a:fillRef idx="0">
+              <a:schemeClr val="accent1"/>
+            </a:fillRef>
+            <a:effectRef idx="0">
+              <a:schemeClr val="accent1"/>
+            </a:effectRef>
+            <a:fontRef idx="minor">
+              <a:schemeClr val="tx1"/>
+            </a:fontRef>
+          </p:style>
+        </p:cxnSp>
+        <p:cxnSp>
+          <p:nvCxnSpPr>
+            <p:cNvPr id="15" name="직선 화살표 연결선 14"/>
+            <p:cNvCxnSpPr>
+              <a:stCxn id="6" idx="2"/>
+              <a:endCxn id="12" idx="0"/>
+            </p:cNvCxnSpPr>
+            <p:nvPr/>
+          </p:nvCxnSpPr>
+          <p:spPr>
+            <a:xfrm>
+              <a:off x="6141979" y="2363952"/>
+              <a:ext cx="4007756" cy="1621404"/>
+            </a:xfrm>
+            <a:prstGeom prst="straightConnector1">
+              <a:avLst/>
+            </a:prstGeom>
+            <a:ln w="38100">
+              <a:tailEnd type="triangle"/>
+            </a:ln>
+          </p:spPr>
+          <p:style>
+            <a:lnRef idx="1">
+              <a:schemeClr val="accent1"/>
+            </a:lnRef>
+            <a:fillRef idx="0">
+              <a:schemeClr val="accent1"/>
+            </a:fillRef>
+            <a:effectRef idx="0">
+              <a:schemeClr val="accent1"/>
+            </a:effectRef>
+            <a:fontRef idx="minor">
+              <a:schemeClr val="tx1"/>
+            </a:fontRef>
+          </p:style>
+        </p:cxnSp>
+      </p:grpSp>
+    </p:spTree>
+    <p:extLst>
+      <p:ext uri="{BB962C8B-B14F-4D97-AF65-F5344CB8AC3E}">
+        <p14:creationId xmlns:p14="http://schemas.microsoft.com/office/powerpoint/2010/main" val="851830194"/>
+      </p:ext>
+    </p:extLst>
+  </p:cSld>
+  <p:clrMapOvr>
+    <a:masterClrMapping/>
+  </p:clrMapOvr>
+</p:sld>
+</file>
+
+<file path=ppt/slides/slide4.xml><?xml version="1.0" encoding="utf-8"?>
+<p:sld xmlns:a="http://schemas.openxmlformats.org/drawingml/2006/main" xmlns:r="http://schemas.openxmlformats.org/officeDocument/2006/relationships" xmlns:p="http://schemas.openxmlformats.org/presentationml/2006/main">
+  <p:cSld>
+    <p:spTree>
+      <p:nvGrpSpPr>
+        <p:cNvPr id="1" name=""/>
+        <p:cNvGrpSpPr/>
+        <p:nvPr/>
+      </p:nvGrpSpPr>
+      <p:grpSpPr>
+        <a:xfrm>
+          <a:off x="0" y="0"/>
+          <a:ext cx="0" cy="0"/>
+          <a:chOff x="0" y="0"/>
+          <a:chExt cx="0" cy="0"/>
+        </a:xfrm>
+      </p:grpSpPr>
+      <p:grpSp>
+        <p:nvGrpSpPr>
+          <p:cNvPr id="4" name="그룹 3"/>
+          <p:cNvGrpSpPr/>
+          <p:nvPr/>
+        </p:nvGrpSpPr>
+        <p:grpSpPr>
+          <a:xfrm>
+            <a:off x="1355257" y="1882520"/>
+            <a:ext cx="9572974" cy="3073669"/>
+            <a:chOff x="1355257" y="1637821"/>
+            <a:chExt cx="9572974" cy="3073669"/>
+          </a:xfrm>
+        </p:grpSpPr>
+        <p:sp>
+          <p:nvSpPr>
+            <p:cNvPr id="5" name="직사각형 4"/>
+            <p:cNvSpPr/>
+            <p:nvPr/>
+          </p:nvSpPr>
+          <p:spPr>
+            <a:xfrm>
+              <a:off x="3359370" y="3985359"/>
+              <a:ext cx="1556992" cy="726131"/>
+            </a:xfrm>
+            <a:prstGeom prst="rect">
+              <a:avLst/>
+            </a:prstGeom>
+            <a:noFill/>
+            <a:ln w="31750">
+              <a:solidFill>
+                <a:schemeClr val="accent1">
+                  <a:shade val="50000"/>
+                </a:schemeClr>
+              </a:solidFill>
+            </a:ln>
+          </p:spPr>
+          <p:style>
+            <a:lnRef idx="2">
+              <a:schemeClr val="accent1">
+                <a:shade val="50000"/>
+              </a:schemeClr>
+            </a:lnRef>
+            <a:fillRef idx="1">
+              <a:schemeClr val="accent1"/>
+            </a:fillRef>
+            <a:effectRef idx="0">
+              <a:schemeClr val="accent1"/>
+            </a:effectRef>
+            <a:fontRef idx="minor">
+              <a:schemeClr val="lt1"/>
+            </a:fontRef>
+          </p:style>
+          <p:txBody>
+            <a:bodyPr rtlCol="0" anchor="ctr"/>
+            <a:lstStyle/>
+            <a:p>
+              <a:pPr algn="ctr"/>
+              <a:r>
+                <a:rPr lang="ko-KR" altLang="en-US" sz="1100" dirty="0" smtClean="0">
+                  <a:solidFill>
+                    <a:sysClr val="windowText" lastClr="000000"/>
+                  </a:solidFill>
+                </a:rPr>
+                <a:t>강의평가 결과 평가 대상 구분 확인</a:t>
+              </a:r>
+              <a:endParaRPr lang="ko-KR" altLang="en-US" sz="1100" dirty="0">
+                <a:solidFill>
+                  <a:sysClr val="windowText" lastClr="000000"/>
+                </a:solidFill>
+              </a:endParaRPr>
+            </a:p>
+          </p:txBody>
+        </p:sp>
+        <p:sp>
+          <p:nvSpPr>
+            <p:cNvPr id="6" name="직사각형 5"/>
+            <p:cNvSpPr/>
+            <p:nvPr/>
+          </p:nvSpPr>
+          <p:spPr>
+            <a:xfrm>
+              <a:off x="5363483" y="1637821"/>
+              <a:ext cx="1556992" cy="726131"/>
+            </a:xfrm>
+            <a:prstGeom prst="rect">
+              <a:avLst/>
+            </a:prstGeom>
+            <a:noFill/>
+            <a:ln w="31750">
+              <a:solidFill>
+                <a:schemeClr val="accent1">
+                  <a:shade val="50000"/>
+                </a:schemeClr>
+              </a:solidFill>
+            </a:ln>
+          </p:spPr>
+          <p:style>
+            <a:lnRef idx="2">
+              <a:schemeClr val="accent1">
+                <a:shade val="50000"/>
+              </a:schemeClr>
+            </a:lnRef>
+            <a:fillRef idx="1">
+              <a:schemeClr val="accent1"/>
+            </a:fillRef>
+            <a:effectRef idx="0">
+              <a:schemeClr val="accent1"/>
+            </a:effectRef>
+            <a:fontRef idx="minor">
+              <a:schemeClr val="lt1"/>
+            </a:fontRef>
+          </p:style>
+          <p:txBody>
+            <a:bodyPr rtlCol="0" anchor="ctr"/>
+            <a:lstStyle/>
+            <a:p>
+              <a:pPr algn="ctr"/>
+              <a:r>
+                <a:rPr lang="ko-KR" altLang="en-US" sz="1100" dirty="0">
+                  <a:solidFill>
+                    <a:sysClr val="windowText" lastClr="000000"/>
+                  </a:solidFill>
+                </a:rPr>
+                <a:t>강의평가 결과 </a:t>
+              </a:r>
+              <a:endParaRPr lang="en-US" altLang="ko-KR" sz="1100" dirty="0" smtClean="0">
+                <a:solidFill>
+                  <a:sysClr val="windowText" lastClr="000000"/>
+                </a:solidFill>
+              </a:endParaRPr>
+            </a:p>
+            <a:p>
+              <a:pPr algn="ctr"/>
+              <a:r>
+                <a:rPr lang="ko-KR" altLang="en-US" sz="1100" dirty="0" smtClean="0">
+                  <a:solidFill>
+                    <a:sysClr val="windowText" lastClr="000000"/>
+                  </a:solidFill>
+                </a:rPr>
+                <a:t>조회 </a:t>
+              </a:r>
+              <a:r>
+                <a:rPr lang="ko-KR" altLang="en-US" sz="1100" dirty="0" smtClean="0">
+                  <a:solidFill>
+                    <a:sysClr val="windowText" lastClr="000000"/>
+                  </a:solidFill>
+                </a:rPr>
+                <a:t>정보 출력</a:t>
+              </a:r>
+              <a:endParaRPr lang="ko-KR" altLang="en-US" sz="1100" dirty="0">
+                <a:solidFill>
+                  <a:sysClr val="windowText" lastClr="000000"/>
+                </a:solidFill>
+              </a:endParaRPr>
+            </a:p>
+          </p:txBody>
+        </p:sp>
+        <p:sp>
+          <p:nvSpPr>
+            <p:cNvPr id="7" name="직사각형 6"/>
+            <p:cNvSpPr/>
+            <p:nvPr/>
+          </p:nvSpPr>
+          <p:spPr>
+            <a:xfrm>
+              <a:off x="1355257" y="3985359"/>
+              <a:ext cx="1556992" cy="726131"/>
+            </a:xfrm>
+            <a:prstGeom prst="rect">
+              <a:avLst/>
+            </a:prstGeom>
+            <a:noFill/>
+            <a:ln w="31750">
+              <a:solidFill>
+                <a:schemeClr val="accent1">
+                  <a:shade val="50000"/>
+                </a:schemeClr>
+              </a:solidFill>
+            </a:ln>
+          </p:spPr>
+          <p:style>
+            <a:lnRef idx="2">
+              <a:schemeClr val="accent1">
+                <a:shade val="50000"/>
+              </a:schemeClr>
+            </a:lnRef>
+            <a:fillRef idx="1">
+              <a:schemeClr val="accent1"/>
+            </a:fillRef>
+            <a:effectRef idx="0">
+              <a:schemeClr val="accent1"/>
+            </a:effectRef>
+            <a:fontRef idx="minor">
+              <a:schemeClr val="lt1"/>
+            </a:fontRef>
+          </p:style>
+          <p:txBody>
+            <a:bodyPr rtlCol="0" anchor="ctr"/>
+            <a:lstStyle/>
+            <a:p>
+              <a:pPr algn="ctr"/>
+              <a:r>
+                <a:rPr lang="ko-KR" altLang="en-US" sz="1100" dirty="0" smtClean="0">
+                  <a:solidFill>
+                    <a:schemeClr val="tx1"/>
+                  </a:solidFill>
+                </a:rPr>
+                <a:t>강의평가 결과 코드 확인</a:t>
+              </a:r>
+              <a:endParaRPr lang="ko-KR" altLang="en-US" sz="1100" dirty="0">
+                <a:solidFill>
+                  <a:schemeClr val="tx1"/>
+                </a:solidFill>
+              </a:endParaRPr>
+            </a:p>
+          </p:txBody>
+        </p:sp>
+        <p:cxnSp>
+          <p:nvCxnSpPr>
+            <p:cNvPr id="8" name="직선 화살표 연결선 7"/>
+            <p:cNvCxnSpPr>
+              <a:stCxn id="6" idx="2"/>
+              <a:endCxn id="7" idx="0"/>
+            </p:cNvCxnSpPr>
+            <p:nvPr/>
+          </p:nvCxnSpPr>
+          <p:spPr>
+            <a:xfrm flipH="1">
+              <a:off x="2133753" y="2363952"/>
+              <a:ext cx="4008226" cy="1621407"/>
+            </a:xfrm>
+            <a:prstGeom prst="straightConnector1">
+              <a:avLst/>
+            </a:prstGeom>
+            <a:ln w="38100">
+              <a:headEnd w="lg" len="lg"/>
+              <a:tailEnd type="triangle"/>
+            </a:ln>
+          </p:spPr>
+          <p:style>
+            <a:lnRef idx="1">
+              <a:schemeClr val="accent1"/>
+            </a:lnRef>
+            <a:fillRef idx="0">
+              <a:schemeClr val="accent1"/>
+            </a:fillRef>
+            <a:effectRef idx="0">
+              <a:schemeClr val="accent1"/>
+            </a:effectRef>
+            <a:fontRef idx="minor">
+              <a:schemeClr val="tx1"/>
+            </a:fontRef>
+          </p:style>
+        </p:cxnSp>
+        <p:cxnSp>
+          <p:nvCxnSpPr>
+            <p:cNvPr id="9" name="직선 화살표 연결선 8"/>
+            <p:cNvCxnSpPr>
+              <a:stCxn id="6" idx="2"/>
+              <a:endCxn id="5" idx="0"/>
+            </p:cNvCxnSpPr>
+            <p:nvPr/>
+          </p:nvCxnSpPr>
+          <p:spPr>
+            <a:xfrm flipH="1">
+              <a:off x="4137866" y="2363952"/>
+              <a:ext cx="2004113" cy="1621407"/>
+            </a:xfrm>
+            <a:prstGeom prst="straightConnector1">
+              <a:avLst/>
+            </a:prstGeom>
+            <a:ln w="38100">
+              <a:headEnd w="lg" len="lg"/>
+              <a:tailEnd type="triangle"/>
+            </a:ln>
+          </p:spPr>
+          <p:style>
+            <a:lnRef idx="1">
+              <a:schemeClr val="accent1"/>
+            </a:lnRef>
+            <a:fillRef idx="0">
+              <a:schemeClr val="accent1"/>
+            </a:fillRef>
+            <a:effectRef idx="0">
+              <a:schemeClr val="accent1"/>
+            </a:effectRef>
+            <a:fontRef idx="minor">
+              <a:schemeClr val="tx1"/>
+            </a:fontRef>
+          </p:style>
+        </p:cxnSp>
+        <p:sp>
+          <p:nvSpPr>
+            <p:cNvPr id="10" name="직사각형 9"/>
+            <p:cNvSpPr/>
+            <p:nvPr/>
+          </p:nvSpPr>
+          <p:spPr>
+            <a:xfrm>
+              <a:off x="5363483" y="3985358"/>
+              <a:ext cx="1556992" cy="726131"/>
+            </a:xfrm>
+            <a:prstGeom prst="rect">
+              <a:avLst/>
+            </a:prstGeom>
+            <a:noFill/>
+            <a:ln w="31750">
+              <a:solidFill>
+                <a:schemeClr val="accent1">
+                  <a:shade val="50000"/>
+                </a:schemeClr>
+              </a:solidFill>
+            </a:ln>
+          </p:spPr>
+          <p:style>
+            <a:lnRef idx="2">
+              <a:schemeClr val="accent1">
+                <a:shade val="50000"/>
+              </a:schemeClr>
+            </a:lnRef>
+            <a:fillRef idx="1">
+              <a:schemeClr val="accent1"/>
+            </a:fillRef>
+            <a:effectRef idx="0">
+              <a:schemeClr val="accent1"/>
+            </a:effectRef>
+            <a:fontRef idx="minor">
+              <a:schemeClr val="lt1"/>
+            </a:fontRef>
+          </p:style>
+          <p:txBody>
+            <a:bodyPr rtlCol="0" anchor="ctr"/>
+            <a:lstStyle/>
+            <a:p>
+              <a:pPr algn="ctr"/>
+              <a:r>
+                <a:rPr lang="ko-KR" altLang="en-US" sz="1100" dirty="0" smtClean="0">
+                  <a:solidFill>
+                    <a:sysClr val="windowText" lastClr="000000"/>
+                  </a:solidFill>
+                </a:rPr>
+                <a:t>강의평가 결과 유효 기간 확인</a:t>
+              </a:r>
+              <a:endParaRPr lang="ko-KR" altLang="en-US" sz="1100" dirty="0">
+                <a:solidFill>
+                  <a:sysClr val="windowText" lastClr="000000"/>
+                </a:solidFill>
+              </a:endParaRPr>
+            </a:p>
+          </p:txBody>
+        </p:sp>
+        <p:sp>
+          <p:nvSpPr>
+            <p:cNvPr id="11" name="직사각형 10"/>
+            <p:cNvSpPr/>
+            <p:nvPr/>
+          </p:nvSpPr>
+          <p:spPr>
+            <a:xfrm>
+              <a:off x="7367596" y="3985357"/>
+              <a:ext cx="1556992" cy="726131"/>
+            </a:xfrm>
+            <a:prstGeom prst="rect">
+              <a:avLst/>
+            </a:prstGeom>
+            <a:noFill/>
+            <a:ln w="31750">
+              <a:solidFill>
+                <a:schemeClr val="accent1">
+                  <a:shade val="50000"/>
+                </a:schemeClr>
+              </a:solidFill>
+            </a:ln>
+          </p:spPr>
+          <p:style>
+            <a:lnRef idx="2">
+              <a:schemeClr val="accent1">
+                <a:shade val="50000"/>
+              </a:schemeClr>
+            </a:lnRef>
+            <a:fillRef idx="1">
+              <a:schemeClr val="accent1"/>
+            </a:fillRef>
+            <a:effectRef idx="0">
+              <a:schemeClr val="accent1"/>
+            </a:effectRef>
+            <a:fontRef idx="minor">
+              <a:schemeClr val="lt1"/>
+            </a:fontRef>
+          </p:style>
+          <p:txBody>
+            <a:bodyPr rtlCol="0" anchor="ctr"/>
+            <a:lstStyle/>
+            <a:p>
+              <a:pPr algn="ctr"/>
+              <a:r>
+                <a:rPr lang="ko-KR" altLang="en-US" sz="1100" dirty="0" smtClean="0">
+                  <a:solidFill>
+                    <a:sysClr val="windowText" lastClr="000000"/>
+                  </a:solidFill>
+                </a:rPr>
+                <a:t>강의평가 결과 질문 정보 확인</a:t>
+              </a:r>
+              <a:endParaRPr lang="ko-KR" altLang="en-US" sz="1100" dirty="0">
+                <a:solidFill>
+                  <a:sysClr val="windowText" lastClr="000000"/>
+                </a:solidFill>
+              </a:endParaRPr>
+            </a:p>
+          </p:txBody>
+        </p:sp>
+        <p:sp>
+          <p:nvSpPr>
+            <p:cNvPr id="12" name="직사각형 11"/>
+            <p:cNvSpPr/>
+            <p:nvPr/>
+          </p:nvSpPr>
+          <p:spPr>
+            <a:xfrm>
+              <a:off x="9371239" y="3985356"/>
+              <a:ext cx="1556992" cy="726131"/>
+            </a:xfrm>
+            <a:prstGeom prst="rect">
+              <a:avLst/>
+            </a:prstGeom>
+            <a:noFill/>
+            <a:ln w="31750">
+              <a:solidFill>
+                <a:schemeClr val="accent1">
+                  <a:shade val="50000"/>
+                </a:schemeClr>
+              </a:solidFill>
+            </a:ln>
+          </p:spPr>
+          <p:style>
+            <a:lnRef idx="2">
+              <a:schemeClr val="accent1">
+                <a:shade val="50000"/>
+              </a:schemeClr>
+            </a:lnRef>
+            <a:fillRef idx="1">
+              <a:schemeClr val="accent1"/>
+            </a:fillRef>
+            <a:effectRef idx="0">
+              <a:schemeClr val="accent1"/>
+            </a:effectRef>
+            <a:fontRef idx="minor">
+              <a:schemeClr val="lt1"/>
+            </a:fontRef>
+          </p:style>
+          <p:txBody>
+            <a:bodyPr rtlCol="0" anchor="ctr"/>
+            <a:lstStyle/>
+            <a:p>
+              <a:pPr algn="ctr"/>
+              <a:r>
+                <a:rPr lang="ko-KR" altLang="en-US" sz="1100" dirty="0" smtClean="0">
+                  <a:solidFill>
+                    <a:sysClr val="windowText" lastClr="000000"/>
+                  </a:solidFill>
+                </a:rPr>
+                <a:t>강의평가 결과 답안 정보 확인</a:t>
+              </a:r>
+              <a:endParaRPr lang="ko-KR" altLang="en-US" sz="1100" dirty="0">
+                <a:solidFill>
+                  <a:sysClr val="windowText" lastClr="000000"/>
+                </a:solidFill>
+              </a:endParaRPr>
+            </a:p>
+          </p:txBody>
+        </p:sp>
+        <p:cxnSp>
+          <p:nvCxnSpPr>
+            <p:cNvPr id="13" name="직선 화살표 연결선 12"/>
+            <p:cNvCxnSpPr>
+              <a:stCxn id="6" idx="2"/>
+              <a:endCxn id="10" idx="0"/>
+            </p:cNvCxnSpPr>
+            <p:nvPr/>
+          </p:nvCxnSpPr>
+          <p:spPr>
+            <a:xfrm>
+              <a:off x="6141979" y="2363952"/>
+              <a:ext cx="0" cy="1621406"/>
+            </a:xfrm>
+            <a:prstGeom prst="straightConnector1">
+              <a:avLst/>
+            </a:prstGeom>
+            <a:ln w="38100">
+              <a:tailEnd type="triangle"/>
+            </a:ln>
+          </p:spPr>
+          <p:style>
+            <a:lnRef idx="1">
+              <a:schemeClr val="accent1"/>
+            </a:lnRef>
+            <a:fillRef idx="0">
+              <a:schemeClr val="accent1"/>
+            </a:fillRef>
+            <a:effectRef idx="0">
+              <a:schemeClr val="accent1"/>
+            </a:effectRef>
+            <a:fontRef idx="minor">
+              <a:schemeClr val="tx1"/>
+            </a:fontRef>
+          </p:style>
+        </p:cxnSp>
+        <p:cxnSp>
+          <p:nvCxnSpPr>
+            <p:cNvPr id="14" name="직선 화살표 연결선 13"/>
+            <p:cNvCxnSpPr>
+              <a:stCxn id="6" idx="2"/>
+              <a:endCxn id="11" idx="0"/>
+            </p:cNvCxnSpPr>
+            <p:nvPr/>
+          </p:nvCxnSpPr>
+          <p:spPr>
+            <a:xfrm>
+              <a:off x="6141979" y="2363952"/>
+              <a:ext cx="2004113" cy="1621405"/>
+            </a:xfrm>
+            <a:prstGeom prst="straightConnector1">
+              <a:avLst/>
+            </a:prstGeom>
+            <a:ln w="38100">
+              <a:tailEnd type="triangle"/>
+            </a:ln>
+          </p:spPr>
+          <p:style>
+            <a:lnRef idx="1">
+              <a:schemeClr val="accent1"/>
+            </a:lnRef>
+            <a:fillRef idx="0">
+              <a:schemeClr val="accent1"/>
+            </a:fillRef>
+            <a:effectRef idx="0">
+              <a:schemeClr val="accent1"/>
+            </a:effectRef>
+            <a:fontRef idx="minor">
+              <a:schemeClr val="tx1"/>
+            </a:fontRef>
+          </p:style>
+        </p:cxnSp>
+        <p:cxnSp>
+          <p:nvCxnSpPr>
+            <p:cNvPr id="15" name="직선 화살표 연결선 14"/>
+            <p:cNvCxnSpPr>
+              <a:stCxn id="6" idx="2"/>
+              <a:endCxn id="12" idx="0"/>
+            </p:cNvCxnSpPr>
+            <p:nvPr/>
+          </p:nvCxnSpPr>
+          <p:spPr>
+            <a:xfrm>
+              <a:off x="6141979" y="2363952"/>
+              <a:ext cx="4007756" cy="1621404"/>
+            </a:xfrm>
+            <a:prstGeom prst="straightConnector1">
+              <a:avLst/>
+            </a:prstGeom>
+            <a:ln w="38100">
+              <a:tailEnd type="triangle"/>
+            </a:ln>
+          </p:spPr>
+          <p:style>
+            <a:lnRef idx="1">
+              <a:schemeClr val="accent1"/>
+            </a:lnRef>
+            <a:fillRef idx="0">
+              <a:schemeClr val="accent1"/>
+            </a:fillRef>
+            <a:effectRef idx="0">
+              <a:schemeClr val="accent1"/>
+            </a:effectRef>
+            <a:fontRef idx="minor">
+              <a:schemeClr val="tx1"/>
+            </a:fontRef>
+          </p:style>
+        </p:cxnSp>
+      </p:grpSp>
+    </p:spTree>
+    <p:extLst>
+      <p:ext uri="{BB962C8B-B14F-4D97-AF65-F5344CB8AC3E}">
+        <p14:creationId xmlns:p14="http://schemas.microsoft.com/office/powerpoint/2010/main" val="3616176268"/>
+      </p:ext>
+    </p:extLst>
+  </p:cSld>
+  <p:clrMapOvr>
+    <a:masterClrMapping/>
+  </p:clrMapOvr>
+</p:sld>
+</file>
+
 <file path=ppt/theme/theme1.xml><?xml version="1.0" encoding="utf-8"?>
 <a:theme xmlns:a="http://schemas.openxmlformats.org/drawingml/2006/main" name="Office 테마">
   <a:themeElements>
